--- a/ums1/home/home.pptx
+++ b/ums1/home/home.pptx
@@ -13,6 +13,11 @@
     <p:sldId id="258" r:id="rId10"/>
     <p:sldId id="259" r:id="rId11"/>
     <p:sldId id="260" r:id="rId12"/>
+    <p:sldId id="261" r:id="rId13"/>
+    <p:sldId id="262" r:id="rId14"/>
+    <p:sldId id="263" r:id="rId15"/>
+    <p:sldId id="264" r:id="rId16"/>
+    <p:sldId id="265" r:id="rId17"/>
   </p:sldIdLst>
   <p:sldSz cx="12192000" cy="6858000"/>
   <p:notesSz cx="6858000" cy="9144000"/>
@@ -4648,6 +4653,329 @@
 </p:sld>
 </file>
 
+<file path=ppt/slides/slide10.xml><?xml version="1.0" encoding="utf-8"?>
+<p:sld xmlns:a="http://schemas.openxmlformats.org/drawingml/2006/main" xmlns:r="http://schemas.openxmlformats.org/officeDocument/2006/relationships" xmlns:p="http://schemas.openxmlformats.org/presentationml/2006/main" xmlns:m="http://schemas.openxmlformats.org/officeDocument/2006/math" xmlns:a14="http://schemas.microsoft.com/office/drawing/2010/main" showMasterSp="1" showMasterPhAnim="1">
+  <p:cSld>
+    <p:spTree>
+      <p:nvGrpSpPr>
+        <p:cNvPr id="1" name=""/>
+        <p:cNvGrpSpPr/>
+        <p:nvPr/>
+      </p:nvGrpSpPr>
+      <p:grpSpPr>
+        <a:xfrm>
+          <a:off x="0" y="0"/>
+          <a:ext cx="0" cy="0"/>
+          <a:chOff x="0" y="0"/>
+          <a:chExt cx="0" cy="0"/>
+        </a:xfrm>
+      </p:grpSpPr>
+      <p:grpSp>
+        <p:nvGrpSpPr>
+          <p:cNvPr id="302" name="组 47"/>
+          <p:cNvGrpSpPr/>
+          <p:nvPr/>
+        </p:nvGrpSpPr>
+        <p:grpSpPr>
+          <a:xfrm>
+            <a:off x="9703214" y="156120"/>
+            <a:ext cx="2370404" cy="899119"/>
+            <a:chOff x="0" y="0"/>
+            <a:chExt cx="2370402" cy="899117"/>
+          </a:xfrm>
+        </p:grpSpPr>
+        <p:grpSp>
+          <p:nvGrpSpPr>
+            <p:cNvPr id="300" name="组 46"/>
+            <p:cNvGrpSpPr/>
+            <p:nvPr/>
+          </p:nvGrpSpPr>
+          <p:grpSpPr>
+            <a:xfrm>
+              <a:off x="-1" y="183270"/>
+              <a:ext cx="2370404" cy="715848"/>
+              <a:chOff x="0" y="0"/>
+              <a:chExt cx="2370402" cy="715847"/>
+            </a:xfrm>
+          </p:grpSpPr>
+          <p:pic>
+            <p:nvPicPr>
+              <p:cNvPr id="298" name="图片 7" descr="图片 7"/>
+              <p:cNvPicPr>
+                <a:picLocks noChangeAspect="1"/>
+              </p:cNvPicPr>
+              <p:nvPr/>
+            </p:nvPicPr>
+            <p:blipFill>
+              <a:blip r:embed="rId2">
+                <a:extLst/>
+              </a:blip>
+              <a:stretch>
+                <a:fillRect/>
+              </a:stretch>
+            </p:blipFill>
+            <p:spPr>
+              <a:xfrm>
+                <a:off x="-1" y="-1"/>
+                <a:ext cx="674717" cy="616329"/>
+              </a:xfrm>
+              <a:prstGeom prst="rect">
+                <a:avLst/>
+              </a:prstGeom>
+              <a:ln w="12700" cap="flat">
+                <a:noFill/>
+                <a:miter lim="400000"/>
+              </a:ln>
+              <a:effectLst/>
+            </p:spPr>
+          </p:pic>
+          <p:pic>
+            <p:nvPicPr>
+              <p:cNvPr id="299" name="图片 8" descr="图片 8"/>
+              <p:cNvPicPr>
+                <a:picLocks noChangeAspect="1"/>
+              </p:cNvPicPr>
+              <p:nvPr/>
+            </p:nvPicPr>
+            <p:blipFill>
+              <a:blip r:embed="rId3">
+                <a:extLst/>
+              </a:blip>
+              <a:stretch>
+                <a:fillRect/>
+              </a:stretch>
+            </p:blipFill>
+            <p:spPr>
+              <a:xfrm>
+                <a:off x="597717" y="342649"/>
+                <a:ext cx="1772686" cy="373199"/>
+              </a:xfrm>
+              <a:prstGeom prst="rect">
+                <a:avLst/>
+              </a:prstGeom>
+              <a:ln w="12700" cap="flat">
+                <a:noFill/>
+                <a:miter lim="400000"/>
+              </a:ln>
+              <a:effectLst/>
+            </p:spPr>
+          </p:pic>
+        </p:grpSp>
+        <p:pic>
+          <p:nvPicPr>
+            <p:cNvPr id="301" name="图片 6" descr="图片 6"/>
+            <p:cNvPicPr>
+              <a:picLocks noChangeAspect="1"/>
+            </p:cNvPicPr>
+            <p:nvPr/>
+          </p:nvPicPr>
+          <p:blipFill>
+            <a:blip r:embed="rId4">
+              <a:extLst/>
+            </a:blip>
+            <a:srcRect l="30936" t="0" r="32115" b="0"/>
+            <a:stretch>
+              <a:fillRect/>
+            </a:stretch>
+          </p:blipFill>
+          <p:spPr>
+            <a:xfrm>
+              <a:off x="585920" y="-1"/>
+              <a:ext cx="1445960" cy="823892"/>
+            </a:xfrm>
+            <a:prstGeom prst="rect">
+              <a:avLst/>
+            </a:prstGeom>
+            <a:ln w="12700" cap="flat">
+              <a:noFill/>
+              <a:miter lim="400000"/>
+            </a:ln>
+            <a:effectLst/>
+          </p:spPr>
+        </p:pic>
+      </p:grpSp>
+      <p:pic>
+        <p:nvPicPr>
+          <p:cNvPr id="303" name="图片 9" descr="图片 9"/>
+          <p:cNvPicPr>
+            <a:picLocks noChangeAspect="1"/>
+          </p:cNvPicPr>
+          <p:nvPr/>
+        </p:nvPicPr>
+        <p:blipFill>
+          <a:blip r:embed="rId5">
+            <a:extLst/>
+          </a:blip>
+          <a:stretch>
+            <a:fillRect/>
+          </a:stretch>
+        </p:blipFill>
+        <p:spPr>
+          <a:xfrm>
+            <a:off x="0" y="6702641"/>
+            <a:ext cx="12192000" cy="155360"/>
+          </a:xfrm>
+          <a:prstGeom prst="rect">
+            <a:avLst/>
+          </a:prstGeom>
+          <a:ln w="12700">
+            <a:miter lim="400000"/>
+          </a:ln>
+        </p:spPr>
+      </p:pic>
+      <p:sp>
+        <p:nvSpPr>
+          <p:cNvPr id="304" name="文本框 6"/>
+          <p:cNvSpPr txBox="1"/>
+          <p:nvPr/>
+        </p:nvSpPr>
+        <p:spPr>
+          <a:xfrm>
+            <a:off x="4366086" y="2850530"/>
+            <a:ext cx="3861436" cy="878841"/>
+          </a:xfrm>
+          <a:prstGeom prst="rect">
+            <a:avLst/>
+          </a:prstGeom>
+          <a:ln w="12700">
+            <a:miter lim="400000"/>
+          </a:ln>
+          <a:extLst>
+            <a:ext uri="{C572A759-6A51-4108-AA02-DFA0A04FC94B}">
+              <ma14:wrappingTextBoxFlag xmlns:ma14="http://schemas.microsoft.com/office/mac/drawingml/2011/main" val="1"/>
+            </a:ext>
+          </a:extLst>
+        </p:spPr>
+        <p:txBody>
+          <a:bodyPr lIns="45719" rIns="45719">
+            <a:spAutoFit/>
+          </a:bodyPr>
+          <a:lstStyle>
+            <a:lvl1pPr>
+              <a:defRPr b="1" sz="4400">
+                <a:solidFill>
+                  <a:srgbClr val="464646"/>
+                </a:solidFill>
+                <a:latin typeface="微软雅黑"/>
+                <a:ea typeface="微软雅黑"/>
+                <a:cs typeface="微软雅黑"/>
+                <a:sym typeface="微软雅黑"/>
+              </a:defRPr>
+            </a:lvl1pPr>
+          </a:lstStyle>
+          <a:p>
+            <a:pPr/>
+            <a:r>
+              <a:t>感谢各位聆听</a:t>
+            </a:r>
+          </a:p>
+        </p:txBody>
+      </p:sp>
+      <p:sp>
+        <p:nvSpPr>
+          <p:cNvPr id="305" name="文本框 7"/>
+          <p:cNvSpPr txBox="1"/>
+          <p:nvPr/>
+        </p:nvSpPr>
+        <p:spPr>
+          <a:xfrm>
+            <a:off x="4452447" y="3599865"/>
+            <a:ext cx="3359786" cy="437069"/>
+          </a:xfrm>
+          <a:prstGeom prst="rect">
+            <a:avLst/>
+          </a:prstGeom>
+          <a:ln w="12700">
+            <a:miter lim="400000"/>
+          </a:ln>
+          <a:extLst>
+            <a:ext uri="{C572A759-6A51-4108-AA02-DFA0A04FC94B}">
+              <ma14:wrappingTextBoxFlag xmlns:ma14="http://schemas.microsoft.com/office/mac/drawingml/2011/main" val="1"/>
+            </a:ext>
+          </a:extLst>
+        </p:spPr>
+        <p:txBody>
+          <a:bodyPr lIns="45719" rIns="45719">
+            <a:spAutoFit/>
+          </a:bodyPr>
+          <a:lstStyle>
+            <a:lvl1pPr>
+              <a:defRPr b="1" sz="2400">
+                <a:solidFill>
+                  <a:srgbClr val="464646"/>
+                </a:solidFill>
+                <a:latin typeface="Arial"/>
+                <a:ea typeface="Arial"/>
+                <a:cs typeface="Arial"/>
+                <a:sym typeface="Arial"/>
+              </a:defRPr>
+            </a:lvl1pPr>
+          </a:lstStyle>
+          <a:p>
+            <a:pPr/>
+            <a:r>
+              <a:t>Thanks for Listening</a:t>
+            </a:r>
+          </a:p>
+        </p:txBody>
+      </p:sp>
+      <p:sp>
+        <p:nvSpPr>
+          <p:cNvPr id="306" name="文本框 9"/>
+          <p:cNvSpPr txBox="1"/>
+          <p:nvPr/>
+        </p:nvSpPr>
+        <p:spPr>
+          <a:xfrm rot="840000">
+            <a:off x="7663163" y="2811524"/>
+            <a:ext cx="1804036" cy="1805941"/>
+          </a:xfrm>
+          <a:prstGeom prst="rect">
+            <a:avLst/>
+          </a:prstGeom>
+          <a:ln w="12700">
+            <a:miter lim="400000"/>
+          </a:ln>
+          <a:extLst>
+            <a:ext uri="{C572A759-6A51-4108-AA02-DFA0A04FC94B}">
+              <ma14:wrappingTextBoxFlag xmlns:ma14="http://schemas.microsoft.com/office/mac/drawingml/2011/main" val="1"/>
+            </a:ext>
+          </a:extLst>
+        </p:spPr>
+        <p:txBody>
+          <a:bodyPr lIns="45719" rIns="45719">
+            <a:spAutoFit/>
+          </a:bodyPr>
+          <a:lstStyle>
+            <a:lvl1pPr>
+              <a:defRPr b="1" sz="9600">
+                <a:solidFill>
+                  <a:srgbClr val="4786FA"/>
+                </a:solidFill>
+                <a:latin typeface="微软雅黑"/>
+                <a:ea typeface="微软雅黑"/>
+                <a:cs typeface="微软雅黑"/>
+                <a:sym typeface="微软雅黑"/>
+              </a:defRPr>
+            </a:lvl1pPr>
+          </a:lstStyle>
+          <a:p>
+            <a:pPr/>
+            <a:r>
+              <a:t>！</a:t>
+            </a:r>
+          </a:p>
+        </p:txBody>
+      </p:sp>
+    </p:spTree>
+  </p:cSld>
+  <p:clrMapOvr>
+    <a:masterClrMapping/>
+  </p:clrMapOvr>
+  <p:transition xmlns:p14="http://schemas.microsoft.com/office/powerpoint/2010/main" spd="med" advClick="1"/>
+</p:sld>
+</file>
+
 <file path=ppt/slides/slide2.xml><?xml version="1.0" encoding="utf-8"?>
 <p:sld xmlns:a="http://schemas.openxmlformats.org/drawingml/2006/main" xmlns:r="http://schemas.openxmlformats.org/officeDocument/2006/relationships" xmlns:p="http://schemas.openxmlformats.org/presentationml/2006/main" xmlns:m="http://schemas.openxmlformats.org/officeDocument/2006/math" xmlns:a14="http://schemas.microsoft.com/office/drawing/2010/main" showMasterSp="1" showMasterPhAnim="1">
   <p:cSld>
@@ -4929,7 +5257,7 @@
         <p:spPr>
           <a:xfrm>
             <a:off x="918844" y="1571370"/>
-            <a:ext cx="10354310" cy="3012441"/>
+            <a:ext cx="10354310" cy="3609341"/>
           </a:xfrm>
           <a:prstGeom prst="rect">
             <a:avLst/>
@@ -4964,7 +5292,7 @@
               </a:defRPr>
             </a:pPr>
             <a:r>
-              <a:t>题解思路</a:t>
+              <a:t>题目背景</a:t>
             </a:r>
           </a:p>
           <a:p>
@@ -4983,7 +5311,7 @@
               </a:defRPr>
             </a:pPr>
             <a:r>
-              <a:t>首先，我们观察题目。</a:t>
+              <a:t>给定一张 n 个点 m 条无向边的图。</a:t>
             </a:r>
           </a:p>
           <a:p>
@@ -5002,7 +5330,49 @@
               </a:defRPr>
             </a:pPr>
             <a:r>
-              <a:t>通过「最大值最小」这个关键信息，我们考虑二分答案的可行性。</a:t>
+              <a:t>寻找一个从 1 到 n 的路径，满足如下要求：</a:t>
+            </a:r>
+          </a:p>
+          <a:p>
+            <a:pPr marL="347578" indent="-347578">
+              <a:spcBef>
+                <a:spcPts val="400"/>
+              </a:spcBef>
+              <a:buSzPct val="100000"/>
+              <a:buAutoNum type="arabicPeriod" startAt="1"/>
+              <a:defRPr spc="85" sz="2600">
+                <a:solidFill>
+                  <a:srgbClr val="364182"/>
+                </a:solidFill>
+                <a:latin typeface="微软雅黑 Light"/>
+                <a:ea typeface="微软雅黑 Light"/>
+                <a:cs typeface="微软雅黑 Light"/>
+                <a:sym typeface="微软雅黑 Light"/>
+              </a:defRPr>
+            </a:pPr>
+            <a:r>
+              <a:t>点权的最大值尽可能小</a:t>
+            </a:r>
+          </a:p>
+          <a:p>
+            <a:pPr marL="347578" indent="-347578">
+              <a:spcBef>
+                <a:spcPts val="400"/>
+              </a:spcBef>
+              <a:buSzPct val="100000"/>
+              <a:buAutoNum type="arabicPeriod" startAt="1"/>
+              <a:defRPr spc="85" sz="2600">
+                <a:solidFill>
+                  <a:srgbClr val="364182"/>
+                </a:solidFill>
+                <a:latin typeface="微软雅黑 Light"/>
+                <a:ea typeface="微软雅黑 Light"/>
+                <a:cs typeface="微软雅黑 Light"/>
+                <a:sym typeface="微软雅黑 Light"/>
+              </a:defRPr>
+            </a:pPr>
+            <a:r>
+              <a:t>边权和小于等于 b</a:t>
             </a:r>
           </a:p>
           <a:p>
@@ -5037,7 +5407,7 @@
               </a:defRPr>
             </a:pPr>
             <a:r>
-              <a:t>假设我们二分出答案 mid，那么如何判断答案的可行性呢？</a:t>
+              <a:t>求最小的路径点权最大值。</a:t>
             </a:r>
           </a:p>
         </p:txBody>
@@ -5372,6 +5742,54 @@
                       </p:childTnLst>
                     </p:cTn>
                   </p:par>
+                  <p:par>
+                    <p:cTn id="29" fill="hold">
+                      <p:stCondLst>
+                        <p:cond delay="indefinite"/>
+                      </p:stCondLst>
+                      <p:childTnLst>
+                        <p:par>
+                          <p:cTn id="30" fill="hold">
+                            <p:stCondLst>
+                              <p:cond delay="0"/>
+                            </p:stCondLst>
+                            <p:childTnLst>
+                              <p:par>
+                                <p:cTn id="31" presetClass="entr" nodeType="clickEffect" presetSubtype="0" presetID="1" grpId="1" fill="hold">
+                                  <p:stCondLst>
+                                    <p:cond delay="0"/>
+                                  </p:stCondLst>
+                                  <p:iterate type="el" backwards="0">
+                                    <p:tmAbs val="0"/>
+                                  </p:iterate>
+                                  <p:childTnLst>
+                                    <p:set>
+                                      <p:cBhvr>
+                                        <p:cTn id="32" fill="hold"/>
+                                        <p:tgtEl>
+                                          <p:spTgt spid="184">
+                                            <p:txEl>
+                                              <p:pRg st="6" end="6"/>
+                                            </p:txEl>
+                                          </p:spTgt>
+                                        </p:tgtEl>
+                                        <p:attrNameLst>
+                                          <p:attrName>style.visibility</p:attrName>
+                                        </p:attrNameLst>
+                                      </p:cBhvr>
+                                      <p:to>
+                                        <p:strVal val="visible"/>
+                                      </p:to>
+                                    </p:set>
+                                  </p:childTnLst>
+                                </p:cTn>
+                              </p:par>
+                            </p:childTnLst>
+                          </p:cTn>
+                        </p:par>
+                      </p:childTnLst>
+                    </p:cTn>
+                  </p:par>
                 </p:childTnLst>
               </p:cTn>
               <p:prevCondLst>
@@ -5674,7 +6092,3298 @@
       </p:grpSp>
       <p:sp>
         <p:nvSpPr>
-          <p:cNvPr id="195" name="文本框 15"/>
+          <p:cNvPr id="195" name="1"/>
+          <p:cNvSpPr/>
+          <p:nvPr/>
+        </p:nvSpPr>
+        <p:spPr>
+          <a:xfrm>
+            <a:off x="4161561" y="1985953"/>
+            <a:ext cx="444501" cy="444501"/>
+          </a:xfrm>
+          <a:prstGeom prst="ellipse">
+            <a:avLst/>
+          </a:prstGeom>
+          <a:solidFill>
+            <a:srgbClr val="FFFFFF"/>
+          </a:solidFill>
+          <a:ln w="12700">
+            <a:solidFill>
+              <a:schemeClr val="accent1"/>
+            </a:solidFill>
+            <a:miter/>
+          </a:ln>
+          <a:extLst>
+            <a:ext uri="{C572A759-6A51-4108-AA02-DFA0A04FC94B}">
+              <ma14:wrappingTextBoxFlag xmlns:ma14="http://schemas.microsoft.com/office/mac/drawingml/2011/main" val="1"/>
+            </a:ext>
+          </a:extLst>
+        </p:spPr>
+        <p:txBody>
+          <a:bodyPr lIns="45719" rIns="45719" anchor="ctr"/>
+          <a:lstStyle>
+            <a:lvl1pPr algn="ctr"/>
+          </a:lstStyle>
+          <a:p>
+            <a:pPr/>
+            <a:r>
+              <a:t>1</a:t>
+            </a:r>
+          </a:p>
+        </p:txBody>
+      </p:sp>
+      <p:sp>
+        <p:nvSpPr>
+          <p:cNvPr id="196" name="4"/>
+          <p:cNvSpPr/>
+          <p:nvPr/>
+        </p:nvSpPr>
+        <p:spPr>
+          <a:xfrm>
+            <a:off x="7484356" y="3717163"/>
+            <a:ext cx="444501" cy="444501"/>
+          </a:xfrm>
+          <a:prstGeom prst="ellipse">
+            <a:avLst/>
+          </a:prstGeom>
+          <a:solidFill>
+            <a:srgbClr val="FFFFFF"/>
+          </a:solidFill>
+          <a:ln w="12700">
+            <a:solidFill>
+              <a:schemeClr val="accent1"/>
+            </a:solidFill>
+            <a:miter/>
+          </a:ln>
+          <a:extLst>
+            <a:ext uri="{C572A759-6A51-4108-AA02-DFA0A04FC94B}">
+              <ma14:wrappingTextBoxFlag xmlns:ma14="http://schemas.microsoft.com/office/mac/drawingml/2011/main" val="1"/>
+            </a:ext>
+          </a:extLst>
+        </p:spPr>
+        <p:txBody>
+          <a:bodyPr lIns="45719" rIns="45719" anchor="ctr"/>
+          <a:lstStyle>
+            <a:lvl1pPr algn="ctr"/>
+          </a:lstStyle>
+          <a:p>
+            <a:pPr/>
+            <a:r>
+              <a:t>4</a:t>
+            </a:r>
+          </a:p>
+        </p:txBody>
+      </p:sp>
+      <p:sp>
+        <p:nvSpPr>
+          <p:cNvPr id="197" name="3"/>
+          <p:cNvSpPr/>
+          <p:nvPr/>
+        </p:nvSpPr>
+        <p:spPr>
+          <a:xfrm>
+            <a:off x="4161561" y="3717163"/>
+            <a:ext cx="444501" cy="444501"/>
+          </a:xfrm>
+          <a:prstGeom prst="ellipse">
+            <a:avLst/>
+          </a:prstGeom>
+          <a:solidFill>
+            <a:srgbClr val="FFFFFF"/>
+          </a:solidFill>
+          <a:ln w="12700">
+            <a:solidFill>
+              <a:schemeClr val="accent1"/>
+            </a:solidFill>
+            <a:miter/>
+          </a:ln>
+          <a:extLst>
+            <a:ext uri="{C572A759-6A51-4108-AA02-DFA0A04FC94B}">
+              <ma14:wrappingTextBoxFlag xmlns:ma14="http://schemas.microsoft.com/office/mac/drawingml/2011/main" val="1"/>
+            </a:ext>
+          </a:extLst>
+        </p:spPr>
+        <p:txBody>
+          <a:bodyPr lIns="45719" rIns="45719" anchor="ctr"/>
+          <a:lstStyle>
+            <a:lvl1pPr algn="ctr"/>
+          </a:lstStyle>
+          <a:p>
+            <a:pPr/>
+            <a:r>
+              <a:t>3</a:t>
+            </a:r>
+          </a:p>
+        </p:txBody>
+      </p:sp>
+      <p:sp>
+        <p:nvSpPr>
+          <p:cNvPr id="198" name="2"/>
+          <p:cNvSpPr/>
+          <p:nvPr/>
+        </p:nvSpPr>
+        <p:spPr>
+          <a:xfrm>
+            <a:off x="7484356" y="1985953"/>
+            <a:ext cx="444501" cy="444501"/>
+          </a:xfrm>
+          <a:prstGeom prst="ellipse">
+            <a:avLst/>
+          </a:prstGeom>
+          <a:solidFill>
+            <a:srgbClr val="FFFFFF"/>
+          </a:solidFill>
+          <a:ln w="12700">
+            <a:solidFill>
+              <a:schemeClr val="accent1"/>
+            </a:solidFill>
+            <a:miter/>
+          </a:ln>
+          <a:extLst>
+            <a:ext uri="{C572A759-6A51-4108-AA02-DFA0A04FC94B}">
+              <ma14:wrappingTextBoxFlag xmlns:ma14="http://schemas.microsoft.com/office/mac/drawingml/2011/main" val="1"/>
+            </a:ext>
+          </a:extLst>
+        </p:spPr>
+        <p:txBody>
+          <a:bodyPr lIns="45719" rIns="45719" anchor="ctr"/>
+          <a:lstStyle>
+            <a:lvl1pPr algn="ctr"/>
+          </a:lstStyle>
+          <a:p>
+            <a:pPr/>
+            <a:r>
+              <a:t>2</a:t>
+            </a:r>
+          </a:p>
+        </p:txBody>
+      </p:sp>
+      <p:cxnSp>
+        <p:nvCxnSpPr>
+          <p:cNvPr id="199" name="Connection Line"/>
+          <p:cNvCxnSpPr>
+            <a:stCxn id="195" idx="0"/>
+            <a:endCxn id="198" idx="0"/>
+          </p:cNvCxnSpPr>
+          <p:nvPr/>
+        </p:nvCxnSpPr>
+        <p:spPr>
+          <a:xfrm>
+            <a:off x="4383811" y="2208203"/>
+            <a:ext cx="3322796" cy="1"/>
+          </a:xfrm>
+          <a:prstGeom prst="straightConnector1">
+            <a:avLst/>
+          </a:prstGeom>
+          <a:ln w="12700">
+            <a:solidFill>
+              <a:schemeClr val="accent1"/>
+            </a:solidFill>
+            <a:miter/>
+          </a:ln>
+        </p:spPr>
+      </p:cxnSp>
+      <p:cxnSp>
+        <p:nvCxnSpPr>
+          <p:cNvPr id="200" name="Connection Line"/>
+          <p:cNvCxnSpPr>
+            <a:stCxn id="196" idx="0"/>
+            <a:endCxn id="198" idx="0"/>
+          </p:cNvCxnSpPr>
+          <p:nvPr/>
+        </p:nvCxnSpPr>
+        <p:spPr>
+          <a:xfrm flipV="1">
+            <a:off x="7706606" y="2208203"/>
+            <a:ext cx="1" cy="1731211"/>
+          </a:xfrm>
+          <a:prstGeom prst="straightConnector1">
+            <a:avLst/>
+          </a:prstGeom>
+          <a:ln w="12700">
+            <a:solidFill>
+              <a:schemeClr val="accent1"/>
+            </a:solidFill>
+            <a:miter/>
+          </a:ln>
+        </p:spPr>
+      </p:cxnSp>
+      <p:cxnSp>
+        <p:nvCxnSpPr>
+          <p:cNvPr id="201" name="Connection Line"/>
+          <p:cNvCxnSpPr>
+            <a:stCxn id="195" idx="0"/>
+            <a:endCxn id="197" idx="0"/>
+          </p:cNvCxnSpPr>
+          <p:nvPr/>
+        </p:nvCxnSpPr>
+        <p:spPr>
+          <a:xfrm>
+            <a:off x="4383811" y="2208203"/>
+            <a:ext cx="1" cy="1731211"/>
+          </a:xfrm>
+          <a:prstGeom prst="straightConnector1">
+            <a:avLst/>
+          </a:prstGeom>
+          <a:ln w="12700">
+            <a:solidFill>
+              <a:schemeClr val="accent1"/>
+            </a:solidFill>
+            <a:miter/>
+          </a:ln>
+        </p:spPr>
+      </p:cxnSp>
+      <p:cxnSp>
+        <p:nvCxnSpPr>
+          <p:cNvPr id="202" name="Connection Line"/>
+          <p:cNvCxnSpPr>
+            <a:stCxn id="196" idx="0"/>
+            <a:endCxn id="197" idx="0"/>
+          </p:cNvCxnSpPr>
+          <p:nvPr/>
+        </p:nvCxnSpPr>
+        <p:spPr>
+          <a:xfrm flipH="1">
+            <a:off x="4383811" y="3939413"/>
+            <a:ext cx="3322796" cy="1"/>
+          </a:xfrm>
+          <a:prstGeom prst="straightConnector1">
+            <a:avLst/>
+          </a:prstGeom>
+          <a:ln w="12700">
+            <a:solidFill>
+              <a:schemeClr val="accent1"/>
+            </a:solidFill>
+            <a:miter/>
+          </a:ln>
+        </p:spPr>
+      </p:cxnSp>
+      <p:sp>
+        <p:nvSpPr>
+          <p:cNvPr id="203" name="8"/>
+          <p:cNvSpPr txBox="1"/>
+          <p:nvPr/>
+        </p:nvSpPr>
+        <p:spPr>
+          <a:xfrm>
+            <a:off x="3888726" y="1734433"/>
+            <a:ext cx="231278" cy="370841"/>
+          </a:xfrm>
+          <a:prstGeom prst="rect">
+            <a:avLst/>
+          </a:prstGeom>
+          <a:ln w="12700">
+            <a:miter lim="400000"/>
+          </a:ln>
+          <a:extLst>
+            <a:ext uri="{C572A759-6A51-4108-AA02-DFA0A04FC94B}">
+              <ma14:wrappingTextBoxFlag xmlns:ma14="http://schemas.microsoft.com/office/mac/drawingml/2011/main" val="1"/>
+            </a:ext>
+          </a:extLst>
+        </p:spPr>
+        <p:txBody>
+          <a:bodyPr wrap="none" lIns="45719" rIns="45719">
+            <a:spAutoFit/>
+          </a:bodyPr>
+          <a:lstStyle/>
+          <a:p>
+            <a:pPr/>
+            <a:r>
+              <a:t>8</a:t>
+            </a:r>
+          </a:p>
+        </p:txBody>
+      </p:sp>
+      <p:sp>
+        <p:nvSpPr>
+          <p:cNvPr id="204" name="5"/>
+          <p:cNvSpPr txBox="1"/>
+          <p:nvPr/>
+        </p:nvSpPr>
+        <p:spPr>
+          <a:xfrm>
+            <a:off x="8008428" y="1734433"/>
+            <a:ext cx="231277" cy="370841"/>
+          </a:xfrm>
+          <a:prstGeom prst="rect">
+            <a:avLst/>
+          </a:prstGeom>
+          <a:ln w="12700">
+            <a:miter lim="400000"/>
+          </a:ln>
+          <a:extLst>
+            <a:ext uri="{C572A759-6A51-4108-AA02-DFA0A04FC94B}">
+              <ma14:wrappingTextBoxFlag xmlns:ma14="http://schemas.microsoft.com/office/mac/drawingml/2011/main" val="1"/>
+            </a:ext>
+          </a:extLst>
+        </p:spPr>
+        <p:txBody>
+          <a:bodyPr wrap="none" lIns="45719" rIns="45719">
+            <a:spAutoFit/>
+          </a:bodyPr>
+          <a:lstStyle/>
+          <a:p>
+            <a:pPr/>
+            <a:r>
+              <a:t>5</a:t>
+            </a:r>
+          </a:p>
+        </p:txBody>
+      </p:sp>
+      <p:sp>
+        <p:nvSpPr>
+          <p:cNvPr id="205" name="6"/>
+          <p:cNvSpPr txBox="1"/>
+          <p:nvPr/>
+        </p:nvSpPr>
+        <p:spPr>
+          <a:xfrm>
+            <a:off x="3888726" y="4040291"/>
+            <a:ext cx="231278" cy="370841"/>
+          </a:xfrm>
+          <a:prstGeom prst="rect">
+            <a:avLst/>
+          </a:prstGeom>
+          <a:ln w="12700">
+            <a:miter lim="400000"/>
+          </a:ln>
+          <a:extLst>
+            <a:ext uri="{C572A759-6A51-4108-AA02-DFA0A04FC94B}">
+              <ma14:wrappingTextBoxFlag xmlns:ma14="http://schemas.microsoft.com/office/mac/drawingml/2011/main" val="1"/>
+            </a:ext>
+          </a:extLst>
+        </p:spPr>
+        <p:txBody>
+          <a:bodyPr wrap="none" lIns="45719" rIns="45719">
+            <a:spAutoFit/>
+          </a:bodyPr>
+          <a:lstStyle/>
+          <a:p>
+            <a:pPr/>
+            <a:r>
+              <a:t>6</a:t>
+            </a:r>
+          </a:p>
+        </p:txBody>
+      </p:sp>
+      <p:sp>
+        <p:nvSpPr>
+          <p:cNvPr id="206" name="10"/>
+          <p:cNvSpPr txBox="1"/>
+          <p:nvPr/>
+        </p:nvSpPr>
+        <p:spPr>
+          <a:xfrm>
+            <a:off x="7944860" y="4040291"/>
+            <a:ext cx="358414" cy="370841"/>
+          </a:xfrm>
+          <a:prstGeom prst="rect">
+            <a:avLst/>
+          </a:prstGeom>
+          <a:ln w="12700">
+            <a:miter lim="400000"/>
+          </a:ln>
+          <a:extLst>
+            <a:ext uri="{C572A759-6A51-4108-AA02-DFA0A04FC94B}">
+              <ma14:wrappingTextBoxFlag xmlns:ma14="http://schemas.microsoft.com/office/mac/drawingml/2011/main" val="1"/>
+            </a:ext>
+          </a:extLst>
+        </p:spPr>
+        <p:txBody>
+          <a:bodyPr wrap="none" lIns="45719" rIns="45719">
+            <a:spAutoFit/>
+          </a:bodyPr>
+          <a:lstStyle/>
+          <a:p>
+            <a:pPr/>
+            <a:r>
+              <a:t>10</a:t>
+            </a:r>
+          </a:p>
+        </p:txBody>
+      </p:sp>
+      <p:sp>
+        <p:nvSpPr>
+          <p:cNvPr id="207" name="2"/>
+          <p:cNvSpPr txBox="1"/>
+          <p:nvPr/>
+        </p:nvSpPr>
+        <p:spPr>
+          <a:xfrm>
+            <a:off x="5948577" y="1734433"/>
+            <a:ext cx="231278" cy="370841"/>
+          </a:xfrm>
+          <a:prstGeom prst="rect">
+            <a:avLst/>
+          </a:prstGeom>
+          <a:ln w="12700">
+            <a:miter lim="400000"/>
+          </a:ln>
+          <a:extLst>
+            <a:ext uri="{C572A759-6A51-4108-AA02-DFA0A04FC94B}">
+              <ma14:wrappingTextBoxFlag xmlns:ma14="http://schemas.microsoft.com/office/mac/drawingml/2011/main" val="1"/>
+            </a:ext>
+          </a:extLst>
+        </p:spPr>
+        <p:txBody>
+          <a:bodyPr wrap="none" lIns="45719" rIns="45719">
+            <a:spAutoFit/>
+          </a:bodyPr>
+          <a:lstStyle/>
+          <a:p>
+            <a:pPr/>
+            <a:r>
+              <a:t>2</a:t>
+            </a:r>
+          </a:p>
+        </p:txBody>
+      </p:sp>
+      <p:sp>
+        <p:nvSpPr>
+          <p:cNvPr id="208" name="1"/>
+          <p:cNvSpPr txBox="1"/>
+          <p:nvPr/>
+        </p:nvSpPr>
+        <p:spPr>
+          <a:xfrm>
+            <a:off x="7305776" y="2887088"/>
+            <a:ext cx="231277" cy="370841"/>
+          </a:xfrm>
+          <a:prstGeom prst="rect">
+            <a:avLst/>
+          </a:prstGeom>
+          <a:ln w="12700">
+            <a:miter lim="400000"/>
+          </a:ln>
+          <a:extLst>
+            <a:ext uri="{C572A759-6A51-4108-AA02-DFA0A04FC94B}">
+              <ma14:wrappingTextBoxFlag xmlns:ma14="http://schemas.microsoft.com/office/mac/drawingml/2011/main" val="1"/>
+            </a:ext>
+          </a:extLst>
+        </p:spPr>
+        <p:txBody>
+          <a:bodyPr wrap="none" lIns="45719" rIns="45719">
+            <a:spAutoFit/>
+          </a:bodyPr>
+          <a:lstStyle/>
+          <a:p>
+            <a:pPr/>
+            <a:r>
+              <a:t>1</a:t>
+            </a:r>
+          </a:p>
+        </p:txBody>
+      </p:sp>
+      <p:sp>
+        <p:nvSpPr>
+          <p:cNvPr id="209" name="4"/>
+          <p:cNvSpPr txBox="1"/>
+          <p:nvPr/>
+        </p:nvSpPr>
+        <p:spPr>
+          <a:xfrm>
+            <a:off x="4502931" y="2887088"/>
+            <a:ext cx="231278" cy="370841"/>
+          </a:xfrm>
+          <a:prstGeom prst="rect">
+            <a:avLst/>
+          </a:prstGeom>
+          <a:ln w="12700">
+            <a:miter lim="400000"/>
+          </a:ln>
+          <a:extLst>
+            <a:ext uri="{C572A759-6A51-4108-AA02-DFA0A04FC94B}">
+              <ma14:wrappingTextBoxFlag xmlns:ma14="http://schemas.microsoft.com/office/mac/drawingml/2011/main" val="1"/>
+            </a:ext>
+          </a:extLst>
+        </p:spPr>
+        <p:txBody>
+          <a:bodyPr wrap="none" lIns="45719" rIns="45719">
+            <a:spAutoFit/>
+          </a:bodyPr>
+          <a:lstStyle/>
+          <a:p>
+            <a:pPr/>
+            <a:r>
+              <a:t>4</a:t>
+            </a:r>
+          </a:p>
+        </p:txBody>
+      </p:sp>
+      <p:sp>
+        <p:nvSpPr>
+          <p:cNvPr id="210" name="3"/>
+          <p:cNvSpPr txBox="1"/>
+          <p:nvPr/>
+        </p:nvSpPr>
+        <p:spPr>
+          <a:xfrm>
+            <a:off x="5948577" y="4040291"/>
+            <a:ext cx="231278" cy="370841"/>
+          </a:xfrm>
+          <a:prstGeom prst="rect">
+            <a:avLst/>
+          </a:prstGeom>
+          <a:ln w="12700">
+            <a:miter lim="400000"/>
+          </a:ln>
+          <a:extLst>
+            <a:ext uri="{C572A759-6A51-4108-AA02-DFA0A04FC94B}">
+              <ma14:wrappingTextBoxFlag xmlns:ma14="http://schemas.microsoft.com/office/mac/drawingml/2011/main" val="1"/>
+            </a:ext>
+          </a:extLst>
+        </p:spPr>
+        <p:txBody>
+          <a:bodyPr wrap="none" lIns="45719" rIns="45719">
+            <a:spAutoFit/>
+          </a:bodyPr>
+          <a:lstStyle/>
+          <a:p>
+            <a:pPr/>
+            <a:r>
+              <a:t>3</a:t>
+            </a:r>
+          </a:p>
+        </p:txBody>
+      </p:sp>
+      <p:sp>
+        <p:nvSpPr>
+          <p:cNvPr id="211" name="需要在 8 个单位的时间内回到 4 号点"/>
+          <p:cNvSpPr txBox="1"/>
+          <p:nvPr/>
+        </p:nvSpPr>
+        <p:spPr>
+          <a:xfrm>
+            <a:off x="439405" y="5121100"/>
+            <a:ext cx="3812863" cy="408941"/>
+          </a:xfrm>
+          <a:prstGeom prst="rect">
+            <a:avLst/>
+          </a:prstGeom>
+          <a:ln w="12700">
+            <a:miter lim="400000"/>
+          </a:ln>
+          <a:extLst>
+            <a:ext uri="{C572A759-6A51-4108-AA02-DFA0A04FC94B}">
+              <ma14:wrappingTextBoxFlag xmlns:ma14="http://schemas.microsoft.com/office/mac/drawingml/2011/main" val="1"/>
+            </a:ext>
+          </a:extLst>
+        </p:spPr>
+        <p:txBody>
+          <a:bodyPr wrap="none" lIns="45719" rIns="45719">
+            <a:spAutoFit/>
+          </a:bodyPr>
+          <a:lstStyle/>
+          <a:p>
+            <a:pPr/>
+            <a:r>
+              <a:t>需要在 8 个单位的时间内回到 4 号点</a:t>
+            </a:r>
+          </a:p>
+        </p:txBody>
+      </p:sp>
+    </p:spTree>
+  </p:cSld>
+  <p:clrMapOvr>
+    <a:masterClrMapping/>
+  </p:clrMapOvr>
+  <p:transition xmlns:p14="http://schemas.microsoft.com/office/powerpoint/2010/main" spd="med" advClick="1"/>
+  <p:timing>
+    <p:tnLst>
+      <p:par>
+        <p:cTn id="1" nodeType="tmRoot" restart="never" dur="indefinite" fill="hold">
+          <p:childTnLst>
+            <p:seq concurrent="1" prevAc="none" nextAc="seek">
+              <p:cTn id="2" nodeType="mainSeq" dur="indefinite" fill="hold">
+                <p:childTnLst>
+                  <p:par>
+                    <p:cTn id="3" fill="hold">
+                      <p:stCondLst>
+                        <p:cond delay="indefinite"/>
+                      </p:stCondLst>
+                      <p:childTnLst>
+                        <p:par>
+                          <p:cTn id="4" fill="hold">
+                            <p:stCondLst>
+                              <p:cond delay="0"/>
+                            </p:stCondLst>
+                            <p:childTnLst>
+                              <p:par>
+                                <p:cTn id="5" presetClass="entr" nodeType="clickEffect" presetSubtype="0" presetID="1" grpId="1" fill="hold">
+                                  <p:stCondLst>
+                                    <p:cond delay="0"/>
+                                  </p:stCondLst>
+                                  <p:iterate type="el" backwards="0">
+                                    <p:tmAbs val="0"/>
+                                  </p:iterate>
+                                  <p:childTnLst>
+                                    <p:set>
+                                      <p:cBhvr>
+                                        <p:cTn id="6" fill="hold"/>
+                                        <p:tgtEl>
+                                          <p:spTgt spid="199"/>
+                                        </p:tgtEl>
+                                        <p:attrNameLst>
+                                          <p:attrName>style.visibility</p:attrName>
+                                        </p:attrNameLst>
+                                      </p:cBhvr>
+                                      <p:to>
+                                        <p:strVal val="visible"/>
+                                      </p:to>
+                                    </p:set>
+                                  </p:childTnLst>
+                                </p:cTn>
+                              </p:par>
+                            </p:childTnLst>
+                          </p:cTn>
+                        </p:par>
+                        <p:par>
+                          <p:cTn id="7" fill="hold">
+                            <p:stCondLst>
+                              <p:cond delay="0"/>
+                            </p:stCondLst>
+                            <p:childTnLst>
+                              <p:par>
+                                <p:cTn id="8" presetClass="entr" nodeType="afterEffect" presetSubtype="0" presetID="1" grpId="2" fill="hold">
+                                  <p:stCondLst>
+                                    <p:cond delay="0"/>
+                                  </p:stCondLst>
+                                  <p:iterate type="el" backwards="0">
+                                    <p:tmAbs val="0"/>
+                                  </p:iterate>
+                                  <p:childTnLst>
+                                    <p:set>
+                                      <p:cBhvr>
+                                        <p:cTn id="9" fill="hold"/>
+                                        <p:tgtEl>
+                                          <p:spTgt spid="195"/>
+                                        </p:tgtEl>
+                                        <p:attrNameLst>
+                                          <p:attrName>style.visibility</p:attrName>
+                                        </p:attrNameLst>
+                                      </p:cBhvr>
+                                      <p:to>
+                                        <p:strVal val="visible"/>
+                                      </p:to>
+                                    </p:set>
+                                  </p:childTnLst>
+                                </p:cTn>
+                              </p:par>
+                            </p:childTnLst>
+                          </p:cTn>
+                        </p:par>
+                        <p:par>
+                          <p:cTn id="10" fill="hold">
+                            <p:stCondLst>
+                              <p:cond delay="0"/>
+                            </p:stCondLst>
+                            <p:childTnLst>
+                              <p:par>
+                                <p:cTn id="11" presetClass="entr" nodeType="afterEffect" presetSubtype="0" presetID="1" grpId="3" fill="hold">
+                                  <p:stCondLst>
+                                    <p:cond delay="0"/>
+                                  </p:stCondLst>
+                                  <p:iterate type="el" backwards="0">
+                                    <p:tmAbs val="0"/>
+                                  </p:iterate>
+                                  <p:childTnLst>
+                                    <p:set>
+                                      <p:cBhvr>
+                                        <p:cTn id="12" fill="hold"/>
+                                        <p:tgtEl>
+                                          <p:spTgt spid="198"/>
+                                        </p:tgtEl>
+                                        <p:attrNameLst>
+                                          <p:attrName>style.visibility</p:attrName>
+                                        </p:attrNameLst>
+                                      </p:cBhvr>
+                                      <p:to>
+                                        <p:strVal val="visible"/>
+                                      </p:to>
+                                    </p:set>
+                                  </p:childTnLst>
+                                </p:cTn>
+                              </p:par>
+                            </p:childTnLst>
+                          </p:cTn>
+                        </p:par>
+                        <p:par>
+                          <p:cTn id="13" fill="hold">
+                            <p:stCondLst>
+                              <p:cond delay="0"/>
+                            </p:stCondLst>
+                            <p:childTnLst>
+                              <p:par>
+                                <p:cTn id="14" presetClass="entr" nodeType="afterEffect" presetSubtype="0" presetID="1" grpId="4" fill="hold">
+                                  <p:stCondLst>
+                                    <p:cond delay="0"/>
+                                  </p:stCondLst>
+                                  <p:iterate type="el" backwards="0">
+                                    <p:tmAbs val="0"/>
+                                  </p:iterate>
+                                  <p:childTnLst>
+                                    <p:set>
+                                      <p:cBhvr>
+                                        <p:cTn id="15" fill="hold"/>
+                                        <p:tgtEl>
+                                          <p:spTgt spid="201"/>
+                                        </p:tgtEl>
+                                        <p:attrNameLst>
+                                          <p:attrName>style.visibility</p:attrName>
+                                        </p:attrNameLst>
+                                      </p:cBhvr>
+                                      <p:to>
+                                        <p:strVal val="visible"/>
+                                      </p:to>
+                                    </p:set>
+                                  </p:childTnLst>
+                                </p:cTn>
+                              </p:par>
+                            </p:childTnLst>
+                          </p:cTn>
+                        </p:par>
+                        <p:par>
+                          <p:cTn id="16" fill="hold">
+                            <p:stCondLst>
+                              <p:cond delay="0"/>
+                            </p:stCondLst>
+                            <p:childTnLst>
+                              <p:par>
+                                <p:cTn id="17" presetClass="entr" nodeType="afterEffect" presetSubtype="0" presetID="1" grpId="5" fill="hold">
+                                  <p:stCondLst>
+                                    <p:cond delay="0"/>
+                                  </p:stCondLst>
+                                  <p:iterate type="el" backwards="0">
+                                    <p:tmAbs val="0"/>
+                                  </p:iterate>
+                                  <p:childTnLst>
+                                    <p:set>
+                                      <p:cBhvr>
+                                        <p:cTn id="18" fill="hold"/>
+                                        <p:tgtEl>
+                                          <p:spTgt spid="200"/>
+                                        </p:tgtEl>
+                                        <p:attrNameLst>
+                                          <p:attrName>style.visibility</p:attrName>
+                                        </p:attrNameLst>
+                                      </p:cBhvr>
+                                      <p:to>
+                                        <p:strVal val="visible"/>
+                                      </p:to>
+                                    </p:set>
+                                  </p:childTnLst>
+                                </p:cTn>
+                              </p:par>
+                            </p:childTnLst>
+                          </p:cTn>
+                        </p:par>
+                        <p:par>
+                          <p:cTn id="19" fill="hold">
+                            <p:stCondLst>
+                              <p:cond delay="0"/>
+                            </p:stCondLst>
+                            <p:childTnLst>
+                              <p:par>
+                                <p:cTn id="20" presetClass="entr" nodeType="afterEffect" presetSubtype="0" presetID="1" grpId="6" fill="hold">
+                                  <p:stCondLst>
+                                    <p:cond delay="0"/>
+                                  </p:stCondLst>
+                                  <p:iterate type="el" backwards="0">
+                                    <p:tmAbs val="0"/>
+                                  </p:iterate>
+                                  <p:childTnLst>
+                                    <p:set>
+                                      <p:cBhvr>
+                                        <p:cTn id="21" fill="hold"/>
+                                        <p:tgtEl>
+                                          <p:spTgt spid="197"/>
+                                        </p:tgtEl>
+                                        <p:attrNameLst>
+                                          <p:attrName>style.visibility</p:attrName>
+                                        </p:attrNameLst>
+                                      </p:cBhvr>
+                                      <p:to>
+                                        <p:strVal val="visible"/>
+                                      </p:to>
+                                    </p:set>
+                                  </p:childTnLst>
+                                </p:cTn>
+                              </p:par>
+                            </p:childTnLst>
+                          </p:cTn>
+                        </p:par>
+                        <p:par>
+                          <p:cTn id="22" fill="hold">
+                            <p:stCondLst>
+                              <p:cond delay="0"/>
+                            </p:stCondLst>
+                            <p:childTnLst>
+                              <p:par>
+                                <p:cTn id="23" presetClass="entr" nodeType="afterEffect" presetSubtype="0" presetID="1" grpId="7" fill="hold">
+                                  <p:stCondLst>
+                                    <p:cond delay="0"/>
+                                  </p:stCondLst>
+                                  <p:iterate type="el" backwards="0">
+                                    <p:tmAbs val="0"/>
+                                  </p:iterate>
+                                  <p:childTnLst>
+                                    <p:set>
+                                      <p:cBhvr>
+                                        <p:cTn id="24" fill="hold"/>
+                                        <p:tgtEl>
+                                          <p:spTgt spid="196"/>
+                                        </p:tgtEl>
+                                        <p:attrNameLst>
+                                          <p:attrName>style.visibility</p:attrName>
+                                        </p:attrNameLst>
+                                      </p:cBhvr>
+                                      <p:to>
+                                        <p:strVal val="visible"/>
+                                      </p:to>
+                                    </p:set>
+                                  </p:childTnLst>
+                                </p:cTn>
+                              </p:par>
+                            </p:childTnLst>
+                          </p:cTn>
+                        </p:par>
+                        <p:par>
+                          <p:cTn id="25" fill="hold">
+                            <p:stCondLst>
+                              <p:cond delay="0"/>
+                            </p:stCondLst>
+                            <p:childTnLst>
+                              <p:par>
+                                <p:cTn id="26" presetClass="entr" nodeType="afterEffect" presetSubtype="0" presetID="1" grpId="8" fill="hold">
+                                  <p:stCondLst>
+                                    <p:cond delay="0"/>
+                                  </p:stCondLst>
+                                  <p:iterate type="el" backwards="0">
+                                    <p:tmAbs val="0"/>
+                                  </p:iterate>
+                                  <p:childTnLst>
+                                    <p:set>
+                                      <p:cBhvr>
+                                        <p:cTn id="27" fill="hold"/>
+                                        <p:tgtEl>
+                                          <p:spTgt spid="202"/>
+                                        </p:tgtEl>
+                                        <p:attrNameLst>
+                                          <p:attrName>style.visibility</p:attrName>
+                                        </p:attrNameLst>
+                                      </p:cBhvr>
+                                      <p:to>
+                                        <p:strVal val="visible"/>
+                                      </p:to>
+                                    </p:set>
+                                  </p:childTnLst>
+                                </p:cTn>
+                              </p:par>
+                            </p:childTnLst>
+                          </p:cTn>
+                        </p:par>
+                      </p:childTnLst>
+                    </p:cTn>
+                  </p:par>
+                  <p:par>
+                    <p:cTn id="28" fill="hold">
+                      <p:stCondLst>
+                        <p:cond delay="indefinite"/>
+                      </p:stCondLst>
+                      <p:childTnLst>
+                        <p:par>
+                          <p:cTn id="29" fill="hold">
+                            <p:stCondLst>
+                              <p:cond delay="0"/>
+                            </p:stCondLst>
+                            <p:childTnLst>
+                              <p:par>
+                                <p:cTn id="30" presetClass="entr" nodeType="clickEffect" presetSubtype="0" presetID="1" grpId="9" fill="hold">
+                                  <p:stCondLst>
+                                    <p:cond delay="0"/>
+                                  </p:stCondLst>
+                                  <p:iterate type="el" backwards="0">
+                                    <p:tmAbs val="0"/>
+                                  </p:iterate>
+                                  <p:childTnLst>
+                                    <p:set>
+                                      <p:cBhvr>
+                                        <p:cTn id="31" fill="hold"/>
+                                        <p:tgtEl>
+                                          <p:spTgt spid="203"/>
+                                        </p:tgtEl>
+                                        <p:attrNameLst>
+                                          <p:attrName>style.visibility</p:attrName>
+                                        </p:attrNameLst>
+                                      </p:cBhvr>
+                                      <p:to>
+                                        <p:strVal val="visible"/>
+                                      </p:to>
+                                    </p:set>
+                                  </p:childTnLst>
+                                </p:cTn>
+                              </p:par>
+                            </p:childTnLst>
+                          </p:cTn>
+                        </p:par>
+                        <p:par>
+                          <p:cTn id="32" fill="hold">
+                            <p:stCondLst>
+                              <p:cond delay="0"/>
+                            </p:stCondLst>
+                            <p:childTnLst>
+                              <p:par>
+                                <p:cTn id="33" presetClass="entr" nodeType="afterEffect" presetSubtype="0" presetID="1" grpId="10" fill="hold">
+                                  <p:stCondLst>
+                                    <p:cond delay="0"/>
+                                  </p:stCondLst>
+                                  <p:iterate type="el" backwards="0">
+                                    <p:tmAbs val="0"/>
+                                  </p:iterate>
+                                  <p:childTnLst>
+                                    <p:set>
+                                      <p:cBhvr>
+                                        <p:cTn id="34" fill="hold"/>
+                                        <p:tgtEl>
+                                          <p:spTgt spid="204"/>
+                                        </p:tgtEl>
+                                        <p:attrNameLst>
+                                          <p:attrName>style.visibility</p:attrName>
+                                        </p:attrNameLst>
+                                      </p:cBhvr>
+                                      <p:to>
+                                        <p:strVal val="visible"/>
+                                      </p:to>
+                                    </p:set>
+                                  </p:childTnLst>
+                                </p:cTn>
+                              </p:par>
+                            </p:childTnLst>
+                          </p:cTn>
+                        </p:par>
+                        <p:par>
+                          <p:cTn id="35" fill="hold">
+                            <p:stCondLst>
+                              <p:cond delay="0"/>
+                            </p:stCondLst>
+                            <p:childTnLst>
+                              <p:par>
+                                <p:cTn id="36" presetClass="entr" nodeType="afterEffect" presetSubtype="0" presetID="1" grpId="11" fill="hold">
+                                  <p:stCondLst>
+                                    <p:cond delay="0"/>
+                                  </p:stCondLst>
+                                  <p:iterate type="el" backwards="0">
+                                    <p:tmAbs val="0"/>
+                                  </p:iterate>
+                                  <p:childTnLst>
+                                    <p:set>
+                                      <p:cBhvr>
+                                        <p:cTn id="37" fill="hold"/>
+                                        <p:tgtEl>
+                                          <p:spTgt spid="205"/>
+                                        </p:tgtEl>
+                                        <p:attrNameLst>
+                                          <p:attrName>style.visibility</p:attrName>
+                                        </p:attrNameLst>
+                                      </p:cBhvr>
+                                      <p:to>
+                                        <p:strVal val="visible"/>
+                                      </p:to>
+                                    </p:set>
+                                  </p:childTnLst>
+                                </p:cTn>
+                              </p:par>
+                            </p:childTnLst>
+                          </p:cTn>
+                        </p:par>
+                        <p:par>
+                          <p:cTn id="38" fill="hold">
+                            <p:stCondLst>
+                              <p:cond delay="0"/>
+                            </p:stCondLst>
+                            <p:childTnLst>
+                              <p:par>
+                                <p:cTn id="39" presetClass="entr" nodeType="afterEffect" presetSubtype="0" presetID="1" grpId="12" fill="hold">
+                                  <p:stCondLst>
+                                    <p:cond delay="0"/>
+                                  </p:stCondLst>
+                                  <p:iterate type="el" backwards="0">
+                                    <p:tmAbs val="0"/>
+                                  </p:iterate>
+                                  <p:childTnLst>
+                                    <p:set>
+                                      <p:cBhvr>
+                                        <p:cTn id="40" fill="hold"/>
+                                        <p:tgtEl>
+                                          <p:spTgt spid="206"/>
+                                        </p:tgtEl>
+                                        <p:attrNameLst>
+                                          <p:attrName>style.visibility</p:attrName>
+                                        </p:attrNameLst>
+                                      </p:cBhvr>
+                                      <p:to>
+                                        <p:strVal val="visible"/>
+                                      </p:to>
+                                    </p:set>
+                                  </p:childTnLst>
+                                </p:cTn>
+                              </p:par>
+                            </p:childTnLst>
+                          </p:cTn>
+                        </p:par>
+                      </p:childTnLst>
+                    </p:cTn>
+                  </p:par>
+                  <p:par>
+                    <p:cTn id="41" fill="hold">
+                      <p:stCondLst>
+                        <p:cond delay="indefinite"/>
+                      </p:stCondLst>
+                      <p:childTnLst>
+                        <p:par>
+                          <p:cTn id="42" fill="hold">
+                            <p:stCondLst>
+                              <p:cond delay="0"/>
+                            </p:stCondLst>
+                            <p:childTnLst>
+                              <p:par>
+                                <p:cTn id="43" presetClass="entr" nodeType="clickEffect" presetSubtype="0" presetID="1" grpId="13" fill="hold">
+                                  <p:stCondLst>
+                                    <p:cond delay="0"/>
+                                  </p:stCondLst>
+                                  <p:iterate type="el" backwards="0">
+                                    <p:tmAbs val="0"/>
+                                  </p:iterate>
+                                  <p:childTnLst>
+                                    <p:set>
+                                      <p:cBhvr>
+                                        <p:cTn id="44" fill="hold"/>
+                                        <p:tgtEl>
+                                          <p:spTgt spid="207"/>
+                                        </p:tgtEl>
+                                        <p:attrNameLst>
+                                          <p:attrName>style.visibility</p:attrName>
+                                        </p:attrNameLst>
+                                      </p:cBhvr>
+                                      <p:to>
+                                        <p:strVal val="visible"/>
+                                      </p:to>
+                                    </p:set>
+                                  </p:childTnLst>
+                                </p:cTn>
+                              </p:par>
+                            </p:childTnLst>
+                          </p:cTn>
+                        </p:par>
+                        <p:par>
+                          <p:cTn id="45" fill="hold">
+                            <p:stCondLst>
+                              <p:cond delay="0"/>
+                            </p:stCondLst>
+                            <p:childTnLst>
+                              <p:par>
+                                <p:cTn id="46" presetClass="entr" nodeType="afterEffect" presetSubtype="0" presetID="1" grpId="14" fill="hold">
+                                  <p:stCondLst>
+                                    <p:cond delay="0"/>
+                                  </p:stCondLst>
+                                  <p:iterate type="el" backwards="0">
+                                    <p:tmAbs val="0"/>
+                                  </p:iterate>
+                                  <p:childTnLst>
+                                    <p:set>
+                                      <p:cBhvr>
+                                        <p:cTn id="47" fill="hold"/>
+                                        <p:tgtEl>
+                                          <p:spTgt spid="209"/>
+                                        </p:tgtEl>
+                                        <p:attrNameLst>
+                                          <p:attrName>style.visibility</p:attrName>
+                                        </p:attrNameLst>
+                                      </p:cBhvr>
+                                      <p:to>
+                                        <p:strVal val="visible"/>
+                                      </p:to>
+                                    </p:set>
+                                  </p:childTnLst>
+                                </p:cTn>
+                              </p:par>
+                            </p:childTnLst>
+                          </p:cTn>
+                        </p:par>
+                        <p:par>
+                          <p:cTn id="48" fill="hold">
+                            <p:stCondLst>
+                              <p:cond delay="0"/>
+                            </p:stCondLst>
+                            <p:childTnLst>
+                              <p:par>
+                                <p:cTn id="49" presetClass="entr" nodeType="afterEffect" presetSubtype="0" presetID="1" grpId="15" fill="hold">
+                                  <p:stCondLst>
+                                    <p:cond delay="0"/>
+                                  </p:stCondLst>
+                                  <p:iterate type="el" backwards="0">
+                                    <p:tmAbs val="0"/>
+                                  </p:iterate>
+                                  <p:childTnLst>
+                                    <p:set>
+                                      <p:cBhvr>
+                                        <p:cTn id="50" fill="hold"/>
+                                        <p:tgtEl>
+                                          <p:spTgt spid="208"/>
+                                        </p:tgtEl>
+                                        <p:attrNameLst>
+                                          <p:attrName>style.visibility</p:attrName>
+                                        </p:attrNameLst>
+                                      </p:cBhvr>
+                                      <p:to>
+                                        <p:strVal val="visible"/>
+                                      </p:to>
+                                    </p:set>
+                                  </p:childTnLst>
+                                </p:cTn>
+                              </p:par>
+                            </p:childTnLst>
+                          </p:cTn>
+                        </p:par>
+                        <p:par>
+                          <p:cTn id="51" fill="hold">
+                            <p:stCondLst>
+                              <p:cond delay="0"/>
+                            </p:stCondLst>
+                            <p:childTnLst>
+                              <p:par>
+                                <p:cTn id="52" presetClass="entr" nodeType="afterEffect" presetSubtype="0" presetID="1" grpId="16" fill="hold">
+                                  <p:stCondLst>
+                                    <p:cond delay="0"/>
+                                  </p:stCondLst>
+                                  <p:iterate type="el" backwards="0">
+                                    <p:tmAbs val="0"/>
+                                  </p:iterate>
+                                  <p:childTnLst>
+                                    <p:set>
+                                      <p:cBhvr>
+                                        <p:cTn id="53" fill="hold"/>
+                                        <p:tgtEl>
+                                          <p:spTgt spid="210"/>
+                                        </p:tgtEl>
+                                        <p:attrNameLst>
+                                          <p:attrName>style.visibility</p:attrName>
+                                        </p:attrNameLst>
+                                      </p:cBhvr>
+                                      <p:to>
+                                        <p:strVal val="visible"/>
+                                      </p:to>
+                                    </p:set>
+                                  </p:childTnLst>
+                                </p:cTn>
+                              </p:par>
+                            </p:childTnLst>
+                          </p:cTn>
+                        </p:par>
+                      </p:childTnLst>
+                    </p:cTn>
+                  </p:par>
+                  <p:par>
+                    <p:cTn id="54" fill="hold">
+                      <p:stCondLst>
+                        <p:cond delay="indefinite"/>
+                      </p:stCondLst>
+                      <p:childTnLst>
+                        <p:par>
+                          <p:cTn id="55" fill="hold">
+                            <p:stCondLst>
+                              <p:cond delay="0"/>
+                            </p:stCondLst>
+                            <p:childTnLst>
+                              <p:par>
+                                <p:cTn id="56" presetClass="entr" nodeType="clickEffect" presetSubtype="0" presetID="1" grpId="17" fill="hold">
+                                  <p:stCondLst>
+                                    <p:cond delay="0"/>
+                                  </p:stCondLst>
+                                  <p:iterate type="el" backwards="0">
+                                    <p:tmAbs val="0"/>
+                                  </p:iterate>
+                                  <p:childTnLst>
+                                    <p:set>
+                                      <p:cBhvr>
+                                        <p:cTn id="57" fill="hold"/>
+                                        <p:tgtEl>
+                                          <p:spTgt spid="211"/>
+                                        </p:tgtEl>
+                                        <p:attrNameLst>
+                                          <p:attrName>style.visibility</p:attrName>
+                                        </p:attrNameLst>
+                                      </p:cBhvr>
+                                      <p:to>
+                                        <p:strVal val="visible"/>
+                                      </p:to>
+                                    </p:set>
+                                  </p:childTnLst>
+                                </p:cTn>
+                              </p:par>
+                            </p:childTnLst>
+                          </p:cTn>
+                        </p:par>
+                      </p:childTnLst>
+                    </p:cTn>
+                  </p:par>
+                </p:childTnLst>
+              </p:cTn>
+              <p:prevCondLst>
+                <p:cond evt="onPrev">
+                  <p:tgtEl>
+                    <p:sldTgt/>
+                  </p:tgtEl>
+                </p:cond>
+              </p:prevCondLst>
+              <p:nextCondLst>
+                <p:cond evt="onNext">
+                  <p:tgtEl>
+                    <p:sldTgt/>
+                  </p:tgtEl>
+                </p:cond>
+              </p:nextCondLst>
+            </p:seq>
+          </p:childTnLst>
+        </p:cTn>
+      </p:par>
+    </p:tnLst>
+    <p:bldLst>
+      <p:bldP build="whole" bldLvl="1" animBg="1" rev="0" advAuto="0" spid="197" grpId="6"/>
+      <p:bldP build="whole" bldLvl="1" animBg="1" rev="0" advAuto="0" spid="207" grpId="13"/>
+      <p:bldP build="whole" bldLvl="1" animBg="1" rev="0" advAuto="0" spid="195" grpId="2"/>
+      <p:bldP build="whole" bldLvl="1" animBg="1" rev="0" advAuto="0" spid="196" grpId="7"/>
+      <p:bldP build="whole" bldLvl="1" animBg="1" rev="0" advAuto="0" spid="201" grpId="4"/>
+      <p:bldP build="whole" bldLvl="1" animBg="1" rev="0" advAuto="0" spid="198" grpId="3"/>
+      <p:bldP build="whole" bldLvl="1" animBg="1" rev="0" advAuto="0" spid="202" grpId="8"/>
+      <p:bldP build="whole" bldLvl="1" animBg="1" rev="0" advAuto="0" spid="203" grpId="9"/>
+      <p:bldP build="whole" bldLvl="1" animBg="1" rev="0" advAuto="0" spid="206" grpId="12"/>
+      <p:bldP build="whole" bldLvl="1" animBg="1" rev="0" advAuto="0" spid="204" grpId="10"/>
+      <p:bldP build="whole" bldLvl="1" animBg="1" rev="0" advAuto="0" spid="200" grpId="5"/>
+      <p:bldP build="whole" bldLvl="1" animBg="1" rev="0" advAuto="0" spid="199" grpId="1"/>
+      <p:bldP build="whole" bldLvl="1" animBg="1" rev="0" advAuto="0" spid="208" grpId="15"/>
+      <p:bldP build="whole" bldLvl="1" animBg="1" rev="0" advAuto="0" spid="209" grpId="14"/>
+      <p:bldP build="whole" bldLvl="1" animBg="1" rev="0" advAuto="0" spid="205" grpId="11"/>
+      <p:bldP build="whole" bldLvl="1" animBg="1" rev="0" advAuto="0" spid="211" grpId="17"/>
+      <p:bldP build="whole" bldLvl="1" animBg="1" rev="0" advAuto="0" spid="210" grpId="16"/>
+    </p:bldLst>
+  </p:timing>
+</p:sld>
+</file>
+
+<file path=ppt/slides/slide4.xml><?xml version="1.0" encoding="utf-8"?>
+<p:sld xmlns:a="http://schemas.openxmlformats.org/drawingml/2006/main" xmlns:r="http://schemas.openxmlformats.org/officeDocument/2006/relationships" xmlns:p="http://schemas.openxmlformats.org/presentationml/2006/main" xmlns:m="http://schemas.openxmlformats.org/officeDocument/2006/math" xmlns:a14="http://schemas.microsoft.com/office/drawing/2010/main" showMasterSp="1" showMasterPhAnim="1">
+  <p:cSld>
+    <p:spTree>
+      <p:nvGrpSpPr>
+        <p:cNvPr id="1" name=""/>
+        <p:cNvGrpSpPr/>
+        <p:nvPr/>
+      </p:nvGrpSpPr>
+      <p:grpSpPr>
+        <a:xfrm>
+          <a:off x="0" y="0"/>
+          <a:ext cx="0" cy="0"/>
+          <a:chOff x="0" y="0"/>
+          <a:chExt cx="0" cy="0"/>
+        </a:xfrm>
+      </p:grpSpPr>
+      <p:grpSp>
+        <p:nvGrpSpPr>
+          <p:cNvPr id="217" name="组 47"/>
+          <p:cNvGrpSpPr/>
+          <p:nvPr/>
+        </p:nvGrpSpPr>
+        <p:grpSpPr>
+          <a:xfrm>
+            <a:off x="9703214" y="156120"/>
+            <a:ext cx="2370404" cy="899119"/>
+            <a:chOff x="0" y="0"/>
+            <a:chExt cx="2370402" cy="899117"/>
+          </a:xfrm>
+        </p:grpSpPr>
+        <p:grpSp>
+          <p:nvGrpSpPr>
+            <p:cNvPr id="215" name="组 46"/>
+            <p:cNvGrpSpPr/>
+            <p:nvPr/>
+          </p:nvGrpSpPr>
+          <p:grpSpPr>
+            <a:xfrm>
+              <a:off x="-1" y="183270"/>
+              <a:ext cx="2370404" cy="715848"/>
+              <a:chOff x="0" y="0"/>
+              <a:chExt cx="2370402" cy="715847"/>
+            </a:xfrm>
+          </p:grpSpPr>
+          <p:pic>
+            <p:nvPicPr>
+              <p:cNvPr id="213" name="图片 7" descr="图片 7"/>
+              <p:cNvPicPr>
+                <a:picLocks noChangeAspect="1"/>
+              </p:cNvPicPr>
+              <p:nvPr/>
+            </p:nvPicPr>
+            <p:blipFill>
+              <a:blip r:embed="rId2">
+                <a:extLst/>
+              </a:blip>
+              <a:stretch>
+                <a:fillRect/>
+              </a:stretch>
+            </p:blipFill>
+            <p:spPr>
+              <a:xfrm>
+                <a:off x="-1" y="-1"/>
+                <a:ext cx="674717" cy="616329"/>
+              </a:xfrm>
+              <a:prstGeom prst="rect">
+                <a:avLst/>
+              </a:prstGeom>
+              <a:ln w="12700" cap="flat">
+                <a:noFill/>
+                <a:miter lim="400000"/>
+              </a:ln>
+              <a:effectLst/>
+            </p:spPr>
+          </p:pic>
+          <p:pic>
+            <p:nvPicPr>
+              <p:cNvPr id="214" name="图片 8" descr="图片 8"/>
+              <p:cNvPicPr>
+                <a:picLocks noChangeAspect="1"/>
+              </p:cNvPicPr>
+              <p:nvPr/>
+            </p:nvPicPr>
+            <p:blipFill>
+              <a:blip r:embed="rId3">
+                <a:extLst/>
+              </a:blip>
+              <a:stretch>
+                <a:fillRect/>
+              </a:stretch>
+            </p:blipFill>
+            <p:spPr>
+              <a:xfrm>
+                <a:off x="597717" y="342649"/>
+                <a:ext cx="1772686" cy="373199"/>
+              </a:xfrm>
+              <a:prstGeom prst="rect">
+                <a:avLst/>
+              </a:prstGeom>
+              <a:ln w="12700" cap="flat">
+                <a:noFill/>
+                <a:miter lim="400000"/>
+              </a:ln>
+              <a:effectLst/>
+            </p:spPr>
+          </p:pic>
+        </p:grpSp>
+        <p:pic>
+          <p:nvPicPr>
+            <p:cNvPr id="216" name="图片 6" descr="图片 6"/>
+            <p:cNvPicPr>
+              <a:picLocks noChangeAspect="1"/>
+            </p:cNvPicPr>
+            <p:nvPr/>
+          </p:nvPicPr>
+          <p:blipFill>
+            <a:blip r:embed="rId4">
+              <a:extLst/>
+            </a:blip>
+            <a:srcRect l="30936" t="0" r="32115" b="0"/>
+            <a:stretch>
+              <a:fillRect/>
+            </a:stretch>
+          </p:blipFill>
+          <p:spPr>
+            <a:xfrm>
+              <a:off x="585920" y="-1"/>
+              <a:ext cx="1445960" cy="823892"/>
+            </a:xfrm>
+            <a:prstGeom prst="rect">
+              <a:avLst/>
+            </a:prstGeom>
+            <a:ln w="12700" cap="flat">
+              <a:noFill/>
+              <a:miter lim="400000"/>
+            </a:ln>
+            <a:effectLst/>
+          </p:spPr>
+        </p:pic>
+      </p:grpSp>
+      <p:pic>
+        <p:nvPicPr>
+          <p:cNvPr id="218" name="图片 9" descr="图片 9"/>
+          <p:cNvPicPr>
+            <a:picLocks noChangeAspect="1"/>
+          </p:cNvPicPr>
+          <p:nvPr/>
+        </p:nvPicPr>
+        <p:blipFill>
+          <a:blip r:embed="rId5">
+            <a:extLst/>
+          </a:blip>
+          <a:stretch>
+            <a:fillRect/>
+          </a:stretch>
+        </p:blipFill>
+        <p:spPr>
+          <a:xfrm>
+            <a:off x="0" y="6702641"/>
+            <a:ext cx="12192000" cy="155360"/>
+          </a:xfrm>
+          <a:prstGeom prst="rect">
+            <a:avLst/>
+          </a:prstGeom>
+          <a:ln w="12700">
+            <a:miter lim="400000"/>
+          </a:ln>
+        </p:spPr>
+      </p:pic>
+      <p:grpSp>
+        <p:nvGrpSpPr>
+          <p:cNvPr id="221" name="Group 4"/>
+          <p:cNvGrpSpPr/>
+          <p:nvPr/>
+        </p:nvGrpSpPr>
+        <p:grpSpPr>
+          <a:xfrm>
+            <a:off x="873124" y="606171"/>
+            <a:ext cx="10445751" cy="758834"/>
+            <a:chOff x="0" y="0"/>
+            <a:chExt cx="10445749" cy="758833"/>
+          </a:xfrm>
+        </p:grpSpPr>
+        <p:sp>
+          <p:nvSpPr>
+            <p:cNvPr id="219" name="TextBox 5"/>
+            <p:cNvSpPr txBox="1"/>
+            <p:nvPr/>
+          </p:nvSpPr>
+          <p:spPr>
+            <a:xfrm>
+              <a:off x="-1" y="0"/>
+              <a:ext cx="10445751" cy="699517"/>
+            </a:xfrm>
+            <a:prstGeom prst="rect">
+              <a:avLst/>
+            </a:prstGeom>
+            <a:noFill/>
+            <a:ln w="12700" cap="flat">
+              <a:noFill/>
+              <a:miter lim="400000"/>
+            </a:ln>
+            <a:effectLst/>
+            <a:extLst>
+              <a:ext uri="{C572A759-6A51-4108-AA02-DFA0A04FC94B}">
+                <ma14:wrappingTextBoxFlag xmlns:ma14="http://schemas.microsoft.com/office/mac/drawingml/2011/main" val="1"/>
+              </a:ext>
+            </a:extLst>
+          </p:spPr>
+          <p:txBody>
+            <a:bodyPr wrap="square" lIns="0" tIns="0" rIns="0" bIns="0" numCol="1" anchor="t">
+              <a:spAutoFit/>
+            </a:bodyPr>
+            <a:lstStyle>
+              <a:lvl1pPr>
+                <a:lnSpc>
+                  <a:spcPts val="5100"/>
+                </a:lnSpc>
+                <a:defRPr b="1" spc="85" sz="4200">
+                  <a:solidFill>
+                    <a:srgbClr val="364182"/>
+                  </a:solidFill>
+                  <a:latin typeface="微软雅黑"/>
+                  <a:ea typeface="微软雅黑"/>
+                  <a:cs typeface="微软雅黑"/>
+                  <a:sym typeface="微软雅黑"/>
+                </a:defRPr>
+              </a:lvl1pPr>
+            </a:lstStyle>
+            <a:p>
+              <a:pPr/>
+              <a:r>
+                <a:t>回家</a:t>
+              </a:r>
+            </a:p>
+          </p:txBody>
+        </p:sp>
+        <p:sp>
+          <p:nvSpPr>
+            <p:cNvPr id="220" name="AutoShape 7"/>
+            <p:cNvSpPr/>
+            <p:nvPr/>
+          </p:nvSpPr>
+          <p:spPr>
+            <a:xfrm>
+              <a:off x="-1" y="735877"/>
+              <a:ext cx="1209613" cy="22957"/>
+            </a:xfrm>
+            <a:prstGeom prst="rect">
+              <a:avLst/>
+            </a:prstGeom>
+            <a:solidFill>
+              <a:srgbClr val="364182"/>
+            </a:solidFill>
+            <a:ln w="12700" cap="flat">
+              <a:noFill/>
+              <a:miter lim="400000"/>
+            </a:ln>
+            <a:effectLst/>
+          </p:spPr>
+          <p:txBody>
+            <a:bodyPr wrap="square" lIns="45719" tIns="45719" rIns="45719" bIns="45719" numCol="1" anchor="t">
+              <a:noAutofit/>
+            </a:bodyPr>
+            <a:lstStyle/>
+            <a:p>
+              <a:pPr/>
+            </a:p>
+          </p:txBody>
+        </p:sp>
+      </p:grpSp>
+      <p:sp>
+        <p:nvSpPr>
+          <p:cNvPr id="222" name="1"/>
+          <p:cNvSpPr/>
+          <p:nvPr/>
+        </p:nvSpPr>
+        <p:spPr>
+          <a:xfrm>
+            <a:off x="4161561" y="1985953"/>
+            <a:ext cx="444501" cy="444501"/>
+          </a:xfrm>
+          <a:prstGeom prst="ellipse">
+            <a:avLst/>
+          </a:prstGeom>
+          <a:solidFill>
+            <a:srgbClr val="FFFFFF"/>
+          </a:solidFill>
+          <a:ln w="25400">
+            <a:solidFill>
+              <a:schemeClr val="accent2"/>
+            </a:solidFill>
+            <a:miter/>
+          </a:ln>
+          <a:extLst>
+            <a:ext uri="{C572A759-6A51-4108-AA02-DFA0A04FC94B}">
+              <ma14:wrappingTextBoxFlag xmlns:ma14="http://schemas.microsoft.com/office/mac/drawingml/2011/main" val="1"/>
+            </a:ext>
+          </a:extLst>
+        </p:spPr>
+        <p:txBody>
+          <a:bodyPr lIns="45719" rIns="45719" anchor="ctr"/>
+          <a:lstStyle>
+            <a:lvl1pPr algn="ctr"/>
+          </a:lstStyle>
+          <a:p>
+            <a:pPr/>
+            <a:r>
+              <a:t>1</a:t>
+            </a:r>
+          </a:p>
+        </p:txBody>
+      </p:sp>
+      <p:sp>
+        <p:nvSpPr>
+          <p:cNvPr id="223" name="4"/>
+          <p:cNvSpPr/>
+          <p:nvPr/>
+        </p:nvSpPr>
+        <p:spPr>
+          <a:xfrm>
+            <a:off x="7484356" y="3717163"/>
+            <a:ext cx="444501" cy="444501"/>
+          </a:xfrm>
+          <a:prstGeom prst="ellipse">
+            <a:avLst/>
+          </a:prstGeom>
+          <a:solidFill>
+            <a:srgbClr val="FFFFFF"/>
+          </a:solidFill>
+          <a:ln w="25400">
+            <a:solidFill>
+              <a:schemeClr val="accent2"/>
+            </a:solidFill>
+            <a:miter/>
+          </a:ln>
+          <a:extLst>
+            <a:ext uri="{C572A759-6A51-4108-AA02-DFA0A04FC94B}">
+              <ma14:wrappingTextBoxFlag xmlns:ma14="http://schemas.microsoft.com/office/mac/drawingml/2011/main" val="1"/>
+            </a:ext>
+          </a:extLst>
+        </p:spPr>
+        <p:txBody>
+          <a:bodyPr lIns="45719" rIns="45719" anchor="ctr"/>
+          <a:lstStyle>
+            <a:lvl1pPr algn="ctr"/>
+          </a:lstStyle>
+          <a:p>
+            <a:pPr/>
+            <a:r>
+              <a:t>4</a:t>
+            </a:r>
+          </a:p>
+        </p:txBody>
+      </p:sp>
+      <p:sp>
+        <p:nvSpPr>
+          <p:cNvPr id="224" name="3"/>
+          <p:cNvSpPr/>
+          <p:nvPr/>
+        </p:nvSpPr>
+        <p:spPr>
+          <a:xfrm>
+            <a:off x="4161561" y="3717163"/>
+            <a:ext cx="444501" cy="444501"/>
+          </a:xfrm>
+          <a:prstGeom prst="ellipse">
+            <a:avLst/>
+          </a:prstGeom>
+          <a:solidFill>
+            <a:srgbClr val="FFFFFF"/>
+          </a:solidFill>
+          <a:ln w="12700">
+            <a:solidFill>
+              <a:schemeClr val="accent1"/>
+            </a:solidFill>
+            <a:miter/>
+          </a:ln>
+          <a:extLst>
+            <a:ext uri="{C572A759-6A51-4108-AA02-DFA0A04FC94B}">
+              <ma14:wrappingTextBoxFlag xmlns:ma14="http://schemas.microsoft.com/office/mac/drawingml/2011/main" val="1"/>
+            </a:ext>
+          </a:extLst>
+        </p:spPr>
+        <p:txBody>
+          <a:bodyPr lIns="45719" rIns="45719" anchor="ctr"/>
+          <a:lstStyle>
+            <a:lvl1pPr algn="ctr"/>
+          </a:lstStyle>
+          <a:p>
+            <a:pPr/>
+            <a:r>
+              <a:t>3</a:t>
+            </a:r>
+          </a:p>
+        </p:txBody>
+      </p:sp>
+      <p:sp>
+        <p:nvSpPr>
+          <p:cNvPr id="225" name="2"/>
+          <p:cNvSpPr/>
+          <p:nvPr/>
+        </p:nvSpPr>
+        <p:spPr>
+          <a:xfrm>
+            <a:off x="7484356" y="1985953"/>
+            <a:ext cx="444501" cy="444501"/>
+          </a:xfrm>
+          <a:prstGeom prst="ellipse">
+            <a:avLst/>
+          </a:prstGeom>
+          <a:solidFill>
+            <a:srgbClr val="FFFFFF"/>
+          </a:solidFill>
+          <a:ln w="25400">
+            <a:solidFill>
+              <a:schemeClr val="accent2"/>
+            </a:solidFill>
+            <a:miter/>
+          </a:ln>
+          <a:extLst>
+            <a:ext uri="{C572A759-6A51-4108-AA02-DFA0A04FC94B}">
+              <ma14:wrappingTextBoxFlag xmlns:ma14="http://schemas.microsoft.com/office/mac/drawingml/2011/main" val="1"/>
+            </a:ext>
+          </a:extLst>
+        </p:spPr>
+        <p:txBody>
+          <a:bodyPr lIns="45719" rIns="45719" anchor="ctr"/>
+          <a:lstStyle>
+            <a:lvl1pPr algn="ctr"/>
+          </a:lstStyle>
+          <a:p>
+            <a:pPr/>
+            <a:r>
+              <a:t>2</a:t>
+            </a:r>
+          </a:p>
+        </p:txBody>
+      </p:sp>
+      <p:cxnSp>
+        <p:nvCxnSpPr>
+          <p:cNvPr id="226" name="Connection Line"/>
+          <p:cNvCxnSpPr>
+            <a:stCxn id="222" idx="0"/>
+            <a:endCxn id="225" idx="0"/>
+          </p:cNvCxnSpPr>
+          <p:nvPr/>
+        </p:nvCxnSpPr>
+        <p:spPr>
+          <a:xfrm>
+            <a:off x="4383811" y="2208203"/>
+            <a:ext cx="3322796" cy="1"/>
+          </a:xfrm>
+          <a:prstGeom prst="straightConnector1">
+            <a:avLst/>
+          </a:prstGeom>
+          <a:ln w="25400">
+            <a:solidFill>
+              <a:schemeClr val="accent2"/>
+            </a:solidFill>
+            <a:miter/>
+          </a:ln>
+        </p:spPr>
+      </p:cxnSp>
+      <p:cxnSp>
+        <p:nvCxnSpPr>
+          <p:cNvPr id="227" name="Connection Line"/>
+          <p:cNvCxnSpPr>
+            <a:stCxn id="223" idx="0"/>
+            <a:endCxn id="225" idx="0"/>
+          </p:cNvCxnSpPr>
+          <p:nvPr/>
+        </p:nvCxnSpPr>
+        <p:spPr>
+          <a:xfrm flipV="1">
+            <a:off x="7706606" y="2208203"/>
+            <a:ext cx="1" cy="1731211"/>
+          </a:xfrm>
+          <a:prstGeom prst="straightConnector1">
+            <a:avLst/>
+          </a:prstGeom>
+          <a:ln w="25400">
+            <a:solidFill>
+              <a:schemeClr val="accent2"/>
+            </a:solidFill>
+            <a:miter/>
+          </a:ln>
+        </p:spPr>
+      </p:cxnSp>
+      <p:cxnSp>
+        <p:nvCxnSpPr>
+          <p:cNvPr id="228" name="Connection Line"/>
+          <p:cNvCxnSpPr>
+            <a:stCxn id="222" idx="0"/>
+            <a:endCxn id="224" idx="0"/>
+          </p:cNvCxnSpPr>
+          <p:nvPr/>
+        </p:nvCxnSpPr>
+        <p:spPr>
+          <a:xfrm>
+            <a:off x="4383811" y="2208203"/>
+            <a:ext cx="1" cy="1731211"/>
+          </a:xfrm>
+          <a:prstGeom prst="straightConnector1">
+            <a:avLst/>
+          </a:prstGeom>
+          <a:ln w="12700">
+            <a:solidFill>
+              <a:schemeClr val="accent1"/>
+            </a:solidFill>
+            <a:miter/>
+          </a:ln>
+        </p:spPr>
+      </p:cxnSp>
+      <p:cxnSp>
+        <p:nvCxnSpPr>
+          <p:cNvPr id="229" name="Connection Line"/>
+          <p:cNvCxnSpPr>
+            <a:stCxn id="223" idx="0"/>
+            <a:endCxn id="224" idx="0"/>
+          </p:cNvCxnSpPr>
+          <p:nvPr/>
+        </p:nvCxnSpPr>
+        <p:spPr>
+          <a:xfrm flipH="1">
+            <a:off x="4383811" y="3939413"/>
+            <a:ext cx="3322796" cy="1"/>
+          </a:xfrm>
+          <a:prstGeom prst="straightConnector1">
+            <a:avLst/>
+          </a:prstGeom>
+          <a:ln w="12700">
+            <a:solidFill>
+              <a:schemeClr val="accent1"/>
+            </a:solidFill>
+            <a:miter/>
+          </a:ln>
+        </p:spPr>
+      </p:cxnSp>
+      <p:sp>
+        <p:nvSpPr>
+          <p:cNvPr id="230" name="8"/>
+          <p:cNvSpPr txBox="1"/>
+          <p:nvPr/>
+        </p:nvSpPr>
+        <p:spPr>
+          <a:xfrm>
+            <a:off x="3888726" y="1734433"/>
+            <a:ext cx="231278" cy="370841"/>
+          </a:xfrm>
+          <a:prstGeom prst="rect">
+            <a:avLst/>
+          </a:prstGeom>
+          <a:ln w="12700">
+            <a:miter lim="400000"/>
+          </a:ln>
+          <a:extLst>
+            <a:ext uri="{C572A759-6A51-4108-AA02-DFA0A04FC94B}">
+              <ma14:wrappingTextBoxFlag xmlns:ma14="http://schemas.microsoft.com/office/mac/drawingml/2011/main" val="1"/>
+            </a:ext>
+          </a:extLst>
+        </p:spPr>
+        <p:txBody>
+          <a:bodyPr wrap="none" lIns="45719" rIns="45719">
+            <a:spAutoFit/>
+          </a:bodyPr>
+          <a:lstStyle/>
+          <a:p>
+            <a:pPr/>
+            <a:r>
+              <a:t>8</a:t>
+            </a:r>
+          </a:p>
+        </p:txBody>
+      </p:sp>
+      <p:sp>
+        <p:nvSpPr>
+          <p:cNvPr id="231" name="5"/>
+          <p:cNvSpPr txBox="1"/>
+          <p:nvPr/>
+        </p:nvSpPr>
+        <p:spPr>
+          <a:xfrm>
+            <a:off x="8008428" y="1734433"/>
+            <a:ext cx="231277" cy="370841"/>
+          </a:xfrm>
+          <a:prstGeom prst="rect">
+            <a:avLst/>
+          </a:prstGeom>
+          <a:ln w="12700">
+            <a:miter lim="400000"/>
+          </a:ln>
+          <a:extLst>
+            <a:ext uri="{C572A759-6A51-4108-AA02-DFA0A04FC94B}">
+              <ma14:wrappingTextBoxFlag xmlns:ma14="http://schemas.microsoft.com/office/mac/drawingml/2011/main" val="1"/>
+            </a:ext>
+          </a:extLst>
+        </p:spPr>
+        <p:txBody>
+          <a:bodyPr wrap="none" lIns="45719" rIns="45719">
+            <a:spAutoFit/>
+          </a:bodyPr>
+          <a:lstStyle/>
+          <a:p>
+            <a:pPr/>
+            <a:r>
+              <a:t>5</a:t>
+            </a:r>
+          </a:p>
+        </p:txBody>
+      </p:sp>
+      <p:sp>
+        <p:nvSpPr>
+          <p:cNvPr id="232" name="6"/>
+          <p:cNvSpPr txBox="1"/>
+          <p:nvPr/>
+        </p:nvSpPr>
+        <p:spPr>
+          <a:xfrm>
+            <a:off x="3888726" y="4040291"/>
+            <a:ext cx="231278" cy="370841"/>
+          </a:xfrm>
+          <a:prstGeom prst="rect">
+            <a:avLst/>
+          </a:prstGeom>
+          <a:ln w="12700">
+            <a:miter lim="400000"/>
+          </a:ln>
+          <a:extLst>
+            <a:ext uri="{C572A759-6A51-4108-AA02-DFA0A04FC94B}">
+              <ma14:wrappingTextBoxFlag xmlns:ma14="http://schemas.microsoft.com/office/mac/drawingml/2011/main" val="1"/>
+            </a:ext>
+          </a:extLst>
+        </p:spPr>
+        <p:txBody>
+          <a:bodyPr wrap="none" lIns="45719" rIns="45719">
+            <a:spAutoFit/>
+          </a:bodyPr>
+          <a:lstStyle/>
+          <a:p>
+            <a:pPr/>
+            <a:r>
+              <a:t>6</a:t>
+            </a:r>
+          </a:p>
+        </p:txBody>
+      </p:sp>
+      <p:sp>
+        <p:nvSpPr>
+          <p:cNvPr id="233" name="10"/>
+          <p:cNvSpPr txBox="1"/>
+          <p:nvPr/>
+        </p:nvSpPr>
+        <p:spPr>
+          <a:xfrm>
+            <a:off x="7944860" y="4040291"/>
+            <a:ext cx="358413" cy="370841"/>
+          </a:xfrm>
+          <a:prstGeom prst="rect">
+            <a:avLst/>
+          </a:prstGeom>
+          <a:ln w="12700">
+            <a:miter lim="400000"/>
+          </a:ln>
+          <a:extLst>
+            <a:ext uri="{C572A759-6A51-4108-AA02-DFA0A04FC94B}">
+              <ma14:wrappingTextBoxFlag xmlns:ma14="http://schemas.microsoft.com/office/mac/drawingml/2011/main" val="1"/>
+            </a:ext>
+          </a:extLst>
+        </p:spPr>
+        <p:txBody>
+          <a:bodyPr wrap="none" lIns="45719" rIns="45719">
+            <a:spAutoFit/>
+          </a:bodyPr>
+          <a:lstStyle/>
+          <a:p>
+            <a:pPr/>
+            <a:r>
+              <a:t>10</a:t>
+            </a:r>
+          </a:p>
+        </p:txBody>
+      </p:sp>
+      <p:sp>
+        <p:nvSpPr>
+          <p:cNvPr id="234" name="2"/>
+          <p:cNvSpPr txBox="1"/>
+          <p:nvPr/>
+        </p:nvSpPr>
+        <p:spPr>
+          <a:xfrm>
+            <a:off x="5948577" y="1734433"/>
+            <a:ext cx="231278" cy="370841"/>
+          </a:xfrm>
+          <a:prstGeom prst="rect">
+            <a:avLst/>
+          </a:prstGeom>
+          <a:ln w="12700">
+            <a:miter lim="400000"/>
+          </a:ln>
+          <a:extLst>
+            <a:ext uri="{C572A759-6A51-4108-AA02-DFA0A04FC94B}">
+              <ma14:wrappingTextBoxFlag xmlns:ma14="http://schemas.microsoft.com/office/mac/drawingml/2011/main" val="1"/>
+            </a:ext>
+          </a:extLst>
+        </p:spPr>
+        <p:txBody>
+          <a:bodyPr wrap="none" lIns="45719" rIns="45719">
+            <a:spAutoFit/>
+          </a:bodyPr>
+          <a:lstStyle/>
+          <a:p>
+            <a:pPr/>
+            <a:r>
+              <a:t>2</a:t>
+            </a:r>
+          </a:p>
+        </p:txBody>
+      </p:sp>
+      <p:sp>
+        <p:nvSpPr>
+          <p:cNvPr id="235" name="1"/>
+          <p:cNvSpPr txBox="1"/>
+          <p:nvPr/>
+        </p:nvSpPr>
+        <p:spPr>
+          <a:xfrm>
+            <a:off x="7305775" y="2887088"/>
+            <a:ext cx="231278" cy="370841"/>
+          </a:xfrm>
+          <a:prstGeom prst="rect">
+            <a:avLst/>
+          </a:prstGeom>
+          <a:ln w="12700">
+            <a:miter lim="400000"/>
+          </a:ln>
+          <a:extLst>
+            <a:ext uri="{C572A759-6A51-4108-AA02-DFA0A04FC94B}">
+              <ma14:wrappingTextBoxFlag xmlns:ma14="http://schemas.microsoft.com/office/mac/drawingml/2011/main" val="1"/>
+            </a:ext>
+          </a:extLst>
+        </p:spPr>
+        <p:txBody>
+          <a:bodyPr wrap="none" lIns="45719" rIns="45719">
+            <a:spAutoFit/>
+          </a:bodyPr>
+          <a:lstStyle/>
+          <a:p>
+            <a:pPr/>
+            <a:r>
+              <a:t>1</a:t>
+            </a:r>
+          </a:p>
+        </p:txBody>
+      </p:sp>
+      <p:sp>
+        <p:nvSpPr>
+          <p:cNvPr id="236" name="4"/>
+          <p:cNvSpPr txBox="1"/>
+          <p:nvPr/>
+        </p:nvSpPr>
+        <p:spPr>
+          <a:xfrm>
+            <a:off x="4502931" y="2887088"/>
+            <a:ext cx="231278" cy="370841"/>
+          </a:xfrm>
+          <a:prstGeom prst="rect">
+            <a:avLst/>
+          </a:prstGeom>
+          <a:ln w="12700">
+            <a:miter lim="400000"/>
+          </a:ln>
+          <a:extLst>
+            <a:ext uri="{C572A759-6A51-4108-AA02-DFA0A04FC94B}">
+              <ma14:wrappingTextBoxFlag xmlns:ma14="http://schemas.microsoft.com/office/mac/drawingml/2011/main" val="1"/>
+            </a:ext>
+          </a:extLst>
+        </p:spPr>
+        <p:txBody>
+          <a:bodyPr wrap="none" lIns="45719" rIns="45719">
+            <a:spAutoFit/>
+          </a:bodyPr>
+          <a:lstStyle/>
+          <a:p>
+            <a:pPr/>
+            <a:r>
+              <a:t>4</a:t>
+            </a:r>
+          </a:p>
+        </p:txBody>
+      </p:sp>
+      <p:sp>
+        <p:nvSpPr>
+          <p:cNvPr id="237" name="3"/>
+          <p:cNvSpPr txBox="1"/>
+          <p:nvPr/>
+        </p:nvSpPr>
+        <p:spPr>
+          <a:xfrm>
+            <a:off x="5948577" y="4040291"/>
+            <a:ext cx="231278" cy="370841"/>
+          </a:xfrm>
+          <a:prstGeom prst="rect">
+            <a:avLst/>
+          </a:prstGeom>
+          <a:ln w="12700">
+            <a:miter lim="400000"/>
+          </a:ln>
+          <a:extLst>
+            <a:ext uri="{C572A759-6A51-4108-AA02-DFA0A04FC94B}">
+              <ma14:wrappingTextBoxFlag xmlns:ma14="http://schemas.microsoft.com/office/mac/drawingml/2011/main" val="1"/>
+            </a:ext>
+          </a:extLst>
+        </p:spPr>
+        <p:txBody>
+          <a:bodyPr wrap="none" lIns="45719" rIns="45719">
+            <a:spAutoFit/>
+          </a:bodyPr>
+          <a:lstStyle/>
+          <a:p>
+            <a:pPr/>
+            <a:r>
+              <a:t>3</a:t>
+            </a:r>
+          </a:p>
+        </p:txBody>
+      </p:sp>
+      <p:sp>
+        <p:nvSpPr>
+          <p:cNvPr id="238" name="需要在 8 个单位的时间内回到 4 号点"/>
+          <p:cNvSpPr txBox="1"/>
+          <p:nvPr/>
+        </p:nvSpPr>
+        <p:spPr>
+          <a:xfrm>
+            <a:off x="439405" y="5121100"/>
+            <a:ext cx="3812863" cy="408941"/>
+          </a:xfrm>
+          <a:prstGeom prst="rect">
+            <a:avLst/>
+          </a:prstGeom>
+          <a:ln w="12700">
+            <a:miter lim="400000"/>
+          </a:ln>
+          <a:extLst>
+            <a:ext uri="{C572A759-6A51-4108-AA02-DFA0A04FC94B}">
+              <ma14:wrappingTextBoxFlag xmlns:ma14="http://schemas.microsoft.com/office/mac/drawingml/2011/main" val="1"/>
+            </a:ext>
+          </a:extLst>
+        </p:spPr>
+        <p:txBody>
+          <a:bodyPr wrap="none" lIns="45719" rIns="45719">
+            <a:spAutoFit/>
+          </a:bodyPr>
+          <a:lstStyle/>
+          <a:p>
+            <a:pPr/>
+            <a:r>
+              <a:t>需要在 8 个单位的时间内回到 4 号点</a:t>
+            </a:r>
+          </a:p>
+        </p:txBody>
+      </p:sp>
+      <p:sp>
+        <p:nvSpPr>
+          <p:cNvPr id="239" name="路径上的点的点权最小值为 10，故答案为 10。"/>
+          <p:cNvSpPr txBox="1"/>
+          <p:nvPr/>
+        </p:nvSpPr>
+        <p:spPr>
+          <a:xfrm>
+            <a:off x="439405" y="5750901"/>
+            <a:ext cx="4854511" cy="408941"/>
+          </a:xfrm>
+          <a:prstGeom prst="rect">
+            <a:avLst/>
+          </a:prstGeom>
+          <a:ln w="12700">
+            <a:miter lim="400000"/>
+          </a:ln>
+          <a:extLst>
+            <a:ext uri="{C572A759-6A51-4108-AA02-DFA0A04FC94B}">
+              <ma14:wrappingTextBoxFlag xmlns:ma14="http://schemas.microsoft.com/office/mac/drawingml/2011/main" val="1"/>
+            </a:ext>
+          </a:extLst>
+        </p:spPr>
+        <p:txBody>
+          <a:bodyPr wrap="none" lIns="45719" rIns="45719">
+            <a:spAutoFit/>
+          </a:bodyPr>
+          <a:lstStyle/>
+          <a:p>
+            <a:pPr/>
+            <a:r>
+              <a:t>路径上的点的点权最小值为 10，故答案为 10。</a:t>
+            </a:r>
+          </a:p>
+        </p:txBody>
+      </p:sp>
+    </p:spTree>
+  </p:cSld>
+  <p:clrMapOvr>
+    <a:masterClrMapping/>
+  </p:clrMapOvr>
+  <p:transition xmlns:p14="http://schemas.microsoft.com/office/powerpoint/2010/main" spd="med" advClick="1"/>
+  <p:timing>
+    <p:tnLst>
+      <p:par>
+        <p:cTn id="1" nodeType="tmRoot" restart="never" dur="indefinite" fill="hold">
+          <p:childTnLst>
+            <p:seq concurrent="1" prevAc="none" nextAc="seek">
+              <p:cTn id="2" nodeType="mainSeq" dur="indefinite" fill="hold">
+                <p:childTnLst>
+                  <p:par>
+                    <p:cTn id="3" fill="hold">
+                      <p:stCondLst>
+                        <p:cond delay="indefinite"/>
+                      </p:stCondLst>
+                      <p:childTnLst>
+                        <p:par>
+                          <p:cTn id="4" fill="hold">
+                            <p:stCondLst>
+                              <p:cond delay="0"/>
+                            </p:stCondLst>
+                            <p:childTnLst>
+                              <p:par>
+                                <p:cTn id="5" presetClass="entr" nodeType="clickEffect" presetSubtype="0" presetID="1" grpId="4" fill="hold">
+                                  <p:stCondLst>
+                                    <p:cond delay="0"/>
+                                  </p:stCondLst>
+                                  <p:iterate type="el" backwards="0">
+                                    <p:tmAbs val="0"/>
+                                  </p:iterate>
+                                  <p:childTnLst>
+                                    <p:set>
+                                      <p:cBhvr>
+                                        <p:cTn id="6" fill="hold"/>
+                                        <p:tgtEl>
+                                          <p:spTgt spid="239"/>
+                                        </p:tgtEl>
+                                        <p:attrNameLst>
+                                          <p:attrName>style.visibility</p:attrName>
+                                        </p:attrNameLst>
+                                      </p:cBhvr>
+                                      <p:to>
+                                        <p:strVal val="visible"/>
+                                      </p:to>
+                                    </p:set>
+                                  </p:childTnLst>
+                                </p:cTn>
+                              </p:par>
+                            </p:childTnLst>
+                          </p:cTn>
+                        </p:par>
+                      </p:childTnLst>
+                    </p:cTn>
+                  </p:par>
+                </p:childTnLst>
+              </p:cTn>
+              <p:prevCondLst>
+                <p:cond evt="onPrev">
+                  <p:tgtEl>
+                    <p:sldTgt/>
+                  </p:tgtEl>
+                </p:cond>
+              </p:prevCondLst>
+              <p:nextCondLst>
+                <p:cond evt="onNext">
+                  <p:tgtEl>
+                    <p:sldTgt/>
+                  </p:tgtEl>
+                </p:cond>
+              </p:nextCondLst>
+            </p:seq>
+          </p:childTnLst>
+        </p:cTn>
+      </p:par>
+    </p:tnLst>
+    <p:bldLst>
+      <p:bldP build="whole" bldLvl="1" animBg="1" rev="0" advAuto="0" spid="239" grpId="4"/>
+    </p:bldLst>
+  </p:timing>
+</p:sld>
+</file>
+
+<file path=ppt/slides/slide5.xml><?xml version="1.0" encoding="utf-8"?>
+<p:sld xmlns:a="http://schemas.openxmlformats.org/drawingml/2006/main" xmlns:r="http://schemas.openxmlformats.org/officeDocument/2006/relationships" xmlns:p="http://schemas.openxmlformats.org/presentationml/2006/main" xmlns:m="http://schemas.openxmlformats.org/officeDocument/2006/math" xmlns:a14="http://schemas.microsoft.com/office/drawing/2010/main" showMasterSp="1" showMasterPhAnim="1">
+  <p:cSld>
+    <p:spTree>
+      <p:nvGrpSpPr>
+        <p:cNvPr id="1" name=""/>
+        <p:cNvGrpSpPr/>
+        <p:nvPr/>
+      </p:nvGrpSpPr>
+      <p:grpSpPr>
+        <a:xfrm>
+          <a:off x="0" y="0"/>
+          <a:ext cx="0" cy="0"/>
+          <a:chOff x="0" y="0"/>
+          <a:chExt cx="0" cy="0"/>
+        </a:xfrm>
+      </p:grpSpPr>
+      <p:grpSp>
+        <p:nvGrpSpPr>
+          <p:cNvPr id="245" name="组 47"/>
+          <p:cNvGrpSpPr/>
+          <p:nvPr/>
+        </p:nvGrpSpPr>
+        <p:grpSpPr>
+          <a:xfrm>
+            <a:off x="9703214" y="156120"/>
+            <a:ext cx="2370404" cy="899119"/>
+            <a:chOff x="0" y="0"/>
+            <a:chExt cx="2370402" cy="899117"/>
+          </a:xfrm>
+        </p:grpSpPr>
+        <p:grpSp>
+          <p:nvGrpSpPr>
+            <p:cNvPr id="243" name="组 46"/>
+            <p:cNvGrpSpPr/>
+            <p:nvPr/>
+          </p:nvGrpSpPr>
+          <p:grpSpPr>
+            <a:xfrm>
+              <a:off x="-1" y="183270"/>
+              <a:ext cx="2370404" cy="715848"/>
+              <a:chOff x="0" y="0"/>
+              <a:chExt cx="2370402" cy="715847"/>
+            </a:xfrm>
+          </p:grpSpPr>
+          <p:pic>
+            <p:nvPicPr>
+              <p:cNvPr id="241" name="图片 7" descr="图片 7"/>
+              <p:cNvPicPr>
+                <a:picLocks noChangeAspect="1"/>
+              </p:cNvPicPr>
+              <p:nvPr/>
+            </p:nvPicPr>
+            <p:blipFill>
+              <a:blip r:embed="rId2">
+                <a:extLst/>
+              </a:blip>
+              <a:stretch>
+                <a:fillRect/>
+              </a:stretch>
+            </p:blipFill>
+            <p:spPr>
+              <a:xfrm>
+                <a:off x="-1" y="-1"/>
+                <a:ext cx="674717" cy="616329"/>
+              </a:xfrm>
+              <a:prstGeom prst="rect">
+                <a:avLst/>
+              </a:prstGeom>
+              <a:ln w="12700" cap="flat">
+                <a:noFill/>
+                <a:miter lim="400000"/>
+              </a:ln>
+              <a:effectLst/>
+            </p:spPr>
+          </p:pic>
+          <p:pic>
+            <p:nvPicPr>
+              <p:cNvPr id="242" name="图片 8" descr="图片 8"/>
+              <p:cNvPicPr>
+                <a:picLocks noChangeAspect="1"/>
+              </p:cNvPicPr>
+              <p:nvPr/>
+            </p:nvPicPr>
+            <p:blipFill>
+              <a:blip r:embed="rId3">
+                <a:extLst/>
+              </a:blip>
+              <a:stretch>
+                <a:fillRect/>
+              </a:stretch>
+            </p:blipFill>
+            <p:spPr>
+              <a:xfrm>
+                <a:off x="597717" y="342649"/>
+                <a:ext cx="1772686" cy="373199"/>
+              </a:xfrm>
+              <a:prstGeom prst="rect">
+                <a:avLst/>
+              </a:prstGeom>
+              <a:ln w="12700" cap="flat">
+                <a:noFill/>
+                <a:miter lim="400000"/>
+              </a:ln>
+              <a:effectLst/>
+            </p:spPr>
+          </p:pic>
+        </p:grpSp>
+        <p:pic>
+          <p:nvPicPr>
+            <p:cNvPr id="244" name="图片 6" descr="图片 6"/>
+            <p:cNvPicPr>
+              <a:picLocks noChangeAspect="1"/>
+            </p:cNvPicPr>
+            <p:nvPr/>
+          </p:nvPicPr>
+          <p:blipFill>
+            <a:blip r:embed="rId4">
+              <a:extLst/>
+            </a:blip>
+            <a:srcRect l="30936" t="0" r="32115" b="0"/>
+            <a:stretch>
+              <a:fillRect/>
+            </a:stretch>
+          </p:blipFill>
+          <p:spPr>
+            <a:xfrm>
+              <a:off x="585920" y="-1"/>
+              <a:ext cx="1445960" cy="823892"/>
+            </a:xfrm>
+            <a:prstGeom prst="rect">
+              <a:avLst/>
+            </a:prstGeom>
+            <a:ln w="12700" cap="flat">
+              <a:noFill/>
+              <a:miter lim="400000"/>
+            </a:ln>
+            <a:effectLst/>
+          </p:spPr>
+        </p:pic>
+      </p:grpSp>
+      <p:pic>
+        <p:nvPicPr>
+          <p:cNvPr id="246" name="图片 9" descr="图片 9"/>
+          <p:cNvPicPr>
+            <a:picLocks noChangeAspect="1"/>
+          </p:cNvPicPr>
+          <p:nvPr/>
+        </p:nvPicPr>
+        <p:blipFill>
+          <a:blip r:embed="rId5">
+            <a:extLst/>
+          </a:blip>
+          <a:stretch>
+            <a:fillRect/>
+          </a:stretch>
+        </p:blipFill>
+        <p:spPr>
+          <a:xfrm>
+            <a:off x="0" y="6702641"/>
+            <a:ext cx="12192000" cy="155360"/>
+          </a:xfrm>
+          <a:prstGeom prst="rect">
+            <a:avLst/>
+          </a:prstGeom>
+          <a:ln w="12700">
+            <a:miter lim="400000"/>
+          </a:ln>
+        </p:spPr>
+      </p:pic>
+      <p:grpSp>
+        <p:nvGrpSpPr>
+          <p:cNvPr id="249" name="Group 4"/>
+          <p:cNvGrpSpPr/>
+          <p:nvPr/>
+        </p:nvGrpSpPr>
+        <p:grpSpPr>
+          <a:xfrm>
+            <a:off x="873124" y="606171"/>
+            <a:ext cx="10445751" cy="758834"/>
+            <a:chOff x="0" y="0"/>
+            <a:chExt cx="10445749" cy="758833"/>
+          </a:xfrm>
+        </p:grpSpPr>
+        <p:sp>
+          <p:nvSpPr>
+            <p:cNvPr id="247" name="TextBox 5"/>
+            <p:cNvSpPr txBox="1"/>
+            <p:nvPr/>
+          </p:nvSpPr>
+          <p:spPr>
+            <a:xfrm>
+              <a:off x="-1" y="0"/>
+              <a:ext cx="10445751" cy="699517"/>
+            </a:xfrm>
+            <a:prstGeom prst="rect">
+              <a:avLst/>
+            </a:prstGeom>
+            <a:noFill/>
+            <a:ln w="12700" cap="flat">
+              <a:noFill/>
+              <a:miter lim="400000"/>
+            </a:ln>
+            <a:effectLst/>
+            <a:extLst>
+              <a:ext uri="{C572A759-6A51-4108-AA02-DFA0A04FC94B}">
+                <ma14:wrappingTextBoxFlag xmlns:ma14="http://schemas.microsoft.com/office/mac/drawingml/2011/main" val="1"/>
+              </a:ext>
+            </a:extLst>
+          </p:spPr>
+          <p:txBody>
+            <a:bodyPr wrap="square" lIns="0" tIns="0" rIns="0" bIns="0" numCol="1" anchor="t">
+              <a:spAutoFit/>
+            </a:bodyPr>
+            <a:lstStyle>
+              <a:lvl1pPr>
+                <a:lnSpc>
+                  <a:spcPts val="5100"/>
+                </a:lnSpc>
+                <a:defRPr b="1" spc="85" sz="4200">
+                  <a:solidFill>
+                    <a:srgbClr val="364182"/>
+                  </a:solidFill>
+                  <a:latin typeface="微软雅黑"/>
+                  <a:ea typeface="微软雅黑"/>
+                  <a:cs typeface="微软雅黑"/>
+                  <a:sym typeface="微软雅黑"/>
+                </a:defRPr>
+              </a:lvl1pPr>
+            </a:lstStyle>
+            <a:p>
+              <a:pPr/>
+              <a:r>
+                <a:t>回家</a:t>
+              </a:r>
+            </a:p>
+          </p:txBody>
+        </p:sp>
+        <p:sp>
+          <p:nvSpPr>
+            <p:cNvPr id="248" name="AutoShape 7"/>
+            <p:cNvSpPr/>
+            <p:nvPr/>
+          </p:nvSpPr>
+          <p:spPr>
+            <a:xfrm>
+              <a:off x="-1" y="735877"/>
+              <a:ext cx="1209613" cy="22957"/>
+            </a:xfrm>
+            <a:prstGeom prst="rect">
+              <a:avLst/>
+            </a:prstGeom>
+            <a:solidFill>
+              <a:srgbClr val="364182"/>
+            </a:solidFill>
+            <a:ln w="12700" cap="flat">
+              <a:noFill/>
+              <a:miter lim="400000"/>
+            </a:ln>
+            <a:effectLst/>
+          </p:spPr>
+          <p:txBody>
+            <a:bodyPr wrap="square" lIns="45719" tIns="45719" rIns="45719" bIns="45719" numCol="1" anchor="t">
+              <a:noAutofit/>
+            </a:bodyPr>
+            <a:lstStyle/>
+            <a:p>
+              <a:pPr/>
+            </a:p>
+          </p:txBody>
+        </p:sp>
+      </p:grpSp>
+      <p:sp>
+        <p:nvSpPr>
+          <p:cNvPr id="250" name="文本框 15"/>
+          <p:cNvSpPr txBox="1"/>
+          <p:nvPr/>
+        </p:nvSpPr>
+        <p:spPr>
+          <a:xfrm>
+            <a:off x="918844" y="1571370"/>
+            <a:ext cx="10354310" cy="3012441"/>
+          </a:xfrm>
+          <a:prstGeom prst="rect">
+            <a:avLst/>
+          </a:prstGeom>
+          <a:ln w="12700">
+            <a:miter lim="400000"/>
+          </a:ln>
+          <a:extLst>
+            <a:ext uri="{C572A759-6A51-4108-AA02-DFA0A04FC94B}">
+              <ma14:wrappingTextBoxFlag xmlns:ma14="http://schemas.microsoft.com/office/mac/drawingml/2011/main" val="1"/>
+            </a:ext>
+          </a:extLst>
+        </p:spPr>
+        <p:txBody>
+          <a:bodyPr lIns="45719" rIns="45719">
+            <a:spAutoFit/>
+          </a:bodyPr>
+          <a:lstStyle/>
+          <a:p>
+            <a:pPr>
+              <a:spcBef>
+                <a:spcPts val="400"/>
+              </a:spcBef>
+              <a:defRPr b="1" spc="85" sz="2600">
+                <a:solidFill>
+                  <a:srgbClr val="364182"/>
+                </a:solidFill>
+                <a:latin typeface="微软雅黑"/>
+                <a:ea typeface="微软雅黑"/>
+                <a:cs typeface="微软雅黑"/>
+                <a:sym typeface="微软雅黑"/>
+              </a:defRPr>
+            </a:pPr>
+            <a:r>
+              <a:t>题解思路</a:t>
+            </a:r>
+          </a:p>
+          <a:p>
+            <a:pPr>
+              <a:spcBef>
+                <a:spcPts val="400"/>
+              </a:spcBef>
+              <a:defRPr spc="85" sz="2600">
+                <a:solidFill>
+                  <a:srgbClr val="364182"/>
+                </a:solidFill>
+                <a:latin typeface="微软雅黑 Light"/>
+                <a:ea typeface="微软雅黑 Light"/>
+                <a:cs typeface="微软雅黑 Light"/>
+                <a:sym typeface="微软雅黑 Light"/>
+              </a:defRPr>
+            </a:pPr>
+            <a:r>
+              <a:t>首先，我们观察题目。</a:t>
+            </a:r>
+          </a:p>
+          <a:p>
+            <a:pPr>
+              <a:spcBef>
+                <a:spcPts val="400"/>
+              </a:spcBef>
+              <a:defRPr spc="85" sz="2600">
+                <a:solidFill>
+                  <a:srgbClr val="364182"/>
+                </a:solidFill>
+                <a:latin typeface="微软雅黑 Light"/>
+                <a:ea typeface="微软雅黑 Light"/>
+                <a:cs typeface="微软雅黑 Light"/>
+                <a:sym typeface="微软雅黑 Light"/>
+              </a:defRPr>
+            </a:pPr>
+            <a:r>
+              <a:t>通过「最大值最小」这个关键信息，我们考虑二分答案的可行性。</a:t>
+            </a:r>
+          </a:p>
+          <a:p>
+            <a:pPr>
+              <a:spcBef>
+                <a:spcPts val="400"/>
+              </a:spcBef>
+              <a:defRPr spc="85" sz="2600">
+                <a:solidFill>
+                  <a:srgbClr val="364182"/>
+                </a:solidFill>
+                <a:latin typeface="微软雅黑 Light"/>
+                <a:ea typeface="微软雅黑 Light"/>
+                <a:cs typeface="微软雅黑 Light"/>
+                <a:sym typeface="微软雅黑 Light"/>
+              </a:defRPr>
+            </a:pPr>
+          </a:p>
+          <a:p>
+            <a:pPr>
+              <a:spcBef>
+                <a:spcPts val="400"/>
+              </a:spcBef>
+              <a:defRPr spc="85" sz="2600">
+                <a:solidFill>
+                  <a:srgbClr val="364182"/>
+                </a:solidFill>
+                <a:latin typeface="微软雅黑 Light"/>
+                <a:ea typeface="微软雅黑 Light"/>
+                <a:cs typeface="微软雅黑 Light"/>
+                <a:sym typeface="微软雅黑 Light"/>
+              </a:defRPr>
+            </a:pPr>
+            <a:r>
+              <a:t>假设我们二分出答案 mid，那么如何判断答案的可行性呢？</a:t>
+            </a:r>
+          </a:p>
+        </p:txBody>
+      </p:sp>
+    </p:spTree>
+  </p:cSld>
+  <p:clrMapOvr>
+    <a:masterClrMapping/>
+  </p:clrMapOvr>
+  <p:transition xmlns:p14="http://schemas.microsoft.com/office/powerpoint/2010/main" spd="med" advClick="1"/>
+  <p:timing>
+    <p:tnLst>
+      <p:par>
+        <p:cTn id="1" nodeType="tmRoot" restart="never" dur="indefinite" fill="hold">
+          <p:childTnLst>
+            <p:seq concurrent="1" prevAc="none" nextAc="seek">
+              <p:cTn id="2" nodeType="mainSeq" dur="indefinite" fill="hold">
+                <p:childTnLst>
+                  <p:par>
+                    <p:cTn id="3" fill="hold">
+                      <p:stCondLst>
+                        <p:cond delay="indefinite"/>
+                      </p:stCondLst>
+                      <p:childTnLst>
+                        <p:par>
+                          <p:cTn id="4" fill="hold">
+                            <p:stCondLst>
+                              <p:cond delay="0"/>
+                            </p:stCondLst>
+                            <p:childTnLst>
+                              <p:par>
+                                <p:cTn id="5" presetClass="entr" nodeType="clickEffect" presetSubtype="0" presetID="1" grpId="1" fill="hold">
+                                  <p:stCondLst>
+                                    <p:cond delay="0"/>
+                                  </p:stCondLst>
+                                  <p:iterate type="el" backwards="0">
+                                    <p:tmAbs val="0"/>
+                                  </p:iterate>
+                                  <p:childTnLst>
+                                    <p:set>
+                                      <p:cBhvr>
+                                        <p:cTn id="6" fill="hold"/>
+                                        <p:tgtEl>
+                                          <p:spTgt spid="250">
+                                            <p:bg/>
+                                          </p:spTgt>
+                                        </p:tgtEl>
+                                        <p:attrNameLst>
+                                          <p:attrName>style.visibility</p:attrName>
+                                        </p:attrNameLst>
+                                      </p:cBhvr>
+                                      <p:to>
+                                        <p:strVal val="visible"/>
+                                      </p:to>
+                                    </p:set>
+                                  </p:childTnLst>
+                                </p:cTn>
+                              </p:par>
+                              <p:par>
+                                <p:cTn id="7" presetClass="entr" nodeType="withEffect" presetSubtype="0" presetID="1" grpId="1" fill="hold">
+                                  <p:stCondLst>
+                                    <p:cond delay="0"/>
+                                  </p:stCondLst>
+                                  <p:iterate type="el" backwards="0">
+                                    <p:tmAbs val="0"/>
+                                  </p:iterate>
+                                  <p:childTnLst>
+                                    <p:set>
+                                      <p:cBhvr>
+                                        <p:cTn id="8" fill="hold"/>
+                                        <p:tgtEl>
+                                          <p:spTgt spid="250">
+                                            <p:txEl>
+                                              <p:pRg st="0" end="0"/>
+                                            </p:txEl>
+                                          </p:spTgt>
+                                        </p:tgtEl>
+                                        <p:attrNameLst>
+                                          <p:attrName>style.visibility</p:attrName>
+                                        </p:attrNameLst>
+                                      </p:cBhvr>
+                                      <p:to>
+                                        <p:strVal val="visible"/>
+                                      </p:to>
+                                    </p:set>
+                                  </p:childTnLst>
+                                </p:cTn>
+                              </p:par>
+                            </p:childTnLst>
+                          </p:cTn>
+                        </p:par>
+                      </p:childTnLst>
+                    </p:cTn>
+                  </p:par>
+                  <p:par>
+                    <p:cTn id="9" fill="hold">
+                      <p:stCondLst>
+                        <p:cond delay="indefinite"/>
+                      </p:stCondLst>
+                      <p:childTnLst>
+                        <p:par>
+                          <p:cTn id="10" fill="hold">
+                            <p:stCondLst>
+                              <p:cond delay="0"/>
+                            </p:stCondLst>
+                            <p:childTnLst>
+                              <p:par>
+                                <p:cTn id="11" presetClass="entr" nodeType="clickEffect" presetSubtype="0" presetID="1" grpId="1" fill="hold">
+                                  <p:stCondLst>
+                                    <p:cond delay="0"/>
+                                  </p:stCondLst>
+                                  <p:iterate type="el" backwards="0">
+                                    <p:tmAbs val="0"/>
+                                  </p:iterate>
+                                  <p:childTnLst>
+                                    <p:set>
+                                      <p:cBhvr>
+                                        <p:cTn id="12" fill="hold"/>
+                                        <p:tgtEl>
+                                          <p:spTgt spid="250">
+                                            <p:txEl>
+                                              <p:pRg st="1" end="1"/>
+                                            </p:txEl>
+                                          </p:spTgt>
+                                        </p:tgtEl>
+                                        <p:attrNameLst>
+                                          <p:attrName>style.visibility</p:attrName>
+                                        </p:attrNameLst>
+                                      </p:cBhvr>
+                                      <p:to>
+                                        <p:strVal val="visible"/>
+                                      </p:to>
+                                    </p:set>
+                                  </p:childTnLst>
+                                </p:cTn>
+                              </p:par>
+                            </p:childTnLst>
+                          </p:cTn>
+                        </p:par>
+                      </p:childTnLst>
+                    </p:cTn>
+                  </p:par>
+                  <p:par>
+                    <p:cTn id="13" fill="hold">
+                      <p:stCondLst>
+                        <p:cond delay="indefinite"/>
+                      </p:stCondLst>
+                      <p:childTnLst>
+                        <p:par>
+                          <p:cTn id="14" fill="hold">
+                            <p:stCondLst>
+                              <p:cond delay="0"/>
+                            </p:stCondLst>
+                            <p:childTnLst>
+                              <p:par>
+                                <p:cTn id="15" presetClass="entr" nodeType="clickEffect" presetSubtype="0" presetID="1" grpId="1" fill="hold">
+                                  <p:stCondLst>
+                                    <p:cond delay="0"/>
+                                  </p:stCondLst>
+                                  <p:iterate type="el" backwards="0">
+                                    <p:tmAbs val="0"/>
+                                  </p:iterate>
+                                  <p:childTnLst>
+                                    <p:set>
+                                      <p:cBhvr>
+                                        <p:cTn id="16" fill="hold"/>
+                                        <p:tgtEl>
+                                          <p:spTgt spid="250">
+                                            <p:txEl>
+                                              <p:pRg st="2" end="2"/>
+                                            </p:txEl>
+                                          </p:spTgt>
+                                        </p:tgtEl>
+                                        <p:attrNameLst>
+                                          <p:attrName>style.visibility</p:attrName>
+                                        </p:attrNameLst>
+                                      </p:cBhvr>
+                                      <p:to>
+                                        <p:strVal val="visible"/>
+                                      </p:to>
+                                    </p:set>
+                                  </p:childTnLst>
+                                </p:cTn>
+                              </p:par>
+                            </p:childTnLst>
+                          </p:cTn>
+                        </p:par>
+                      </p:childTnLst>
+                    </p:cTn>
+                  </p:par>
+                  <p:par>
+                    <p:cTn id="17" fill="hold">
+                      <p:stCondLst>
+                        <p:cond delay="indefinite"/>
+                      </p:stCondLst>
+                      <p:childTnLst>
+                        <p:par>
+                          <p:cTn id="18" fill="hold">
+                            <p:stCondLst>
+                              <p:cond delay="0"/>
+                            </p:stCondLst>
+                            <p:childTnLst>
+                              <p:par>
+                                <p:cTn id="19" presetClass="entr" nodeType="clickEffect" presetSubtype="0" presetID="1" grpId="1" fill="hold">
+                                  <p:stCondLst>
+                                    <p:cond delay="0"/>
+                                  </p:stCondLst>
+                                  <p:iterate type="el" backwards="0">
+                                    <p:tmAbs val="0"/>
+                                  </p:iterate>
+                                  <p:childTnLst>
+                                    <p:set>
+                                      <p:cBhvr>
+                                        <p:cTn id="20" fill="hold"/>
+                                        <p:tgtEl>
+                                          <p:spTgt spid="250">
+                                            <p:txEl>
+                                              <p:pRg st="3" end="3"/>
+                                            </p:txEl>
+                                          </p:spTgt>
+                                        </p:tgtEl>
+                                        <p:attrNameLst>
+                                          <p:attrName>style.visibility</p:attrName>
+                                        </p:attrNameLst>
+                                      </p:cBhvr>
+                                      <p:to>
+                                        <p:strVal val="visible"/>
+                                      </p:to>
+                                    </p:set>
+                                  </p:childTnLst>
+                                </p:cTn>
+                              </p:par>
+                            </p:childTnLst>
+                          </p:cTn>
+                        </p:par>
+                      </p:childTnLst>
+                    </p:cTn>
+                  </p:par>
+                  <p:par>
+                    <p:cTn id="21" fill="hold">
+                      <p:stCondLst>
+                        <p:cond delay="indefinite"/>
+                      </p:stCondLst>
+                      <p:childTnLst>
+                        <p:par>
+                          <p:cTn id="22" fill="hold">
+                            <p:stCondLst>
+                              <p:cond delay="0"/>
+                            </p:stCondLst>
+                            <p:childTnLst>
+                              <p:par>
+                                <p:cTn id="23" presetClass="entr" nodeType="clickEffect" presetSubtype="0" presetID="1" grpId="1" fill="hold">
+                                  <p:stCondLst>
+                                    <p:cond delay="0"/>
+                                  </p:stCondLst>
+                                  <p:iterate type="el" backwards="0">
+                                    <p:tmAbs val="0"/>
+                                  </p:iterate>
+                                  <p:childTnLst>
+                                    <p:set>
+                                      <p:cBhvr>
+                                        <p:cTn id="24" fill="hold"/>
+                                        <p:tgtEl>
+                                          <p:spTgt spid="250">
+                                            <p:txEl>
+                                              <p:pRg st="4" end="4"/>
+                                            </p:txEl>
+                                          </p:spTgt>
+                                        </p:tgtEl>
+                                        <p:attrNameLst>
+                                          <p:attrName>style.visibility</p:attrName>
+                                        </p:attrNameLst>
+                                      </p:cBhvr>
+                                      <p:to>
+                                        <p:strVal val="visible"/>
+                                      </p:to>
+                                    </p:set>
+                                  </p:childTnLst>
+                                </p:cTn>
+                              </p:par>
+                            </p:childTnLst>
+                          </p:cTn>
+                        </p:par>
+                      </p:childTnLst>
+                    </p:cTn>
+                  </p:par>
+                  <p:par>
+                    <p:cTn id="25" fill="hold">
+                      <p:stCondLst>
+                        <p:cond delay="indefinite"/>
+                      </p:stCondLst>
+                      <p:childTnLst>
+                        <p:par>
+                          <p:cTn id="26" fill="hold">
+                            <p:stCondLst>
+                              <p:cond delay="0"/>
+                            </p:stCondLst>
+                            <p:childTnLst>
+                              <p:par>
+                                <p:cTn id="27" presetClass="entr" nodeType="clickEffect" presetSubtype="0" presetID="1" grpId="1" fill="hold">
+                                  <p:stCondLst>
+                                    <p:cond delay="0"/>
+                                  </p:stCondLst>
+                                  <p:iterate type="el" backwards="0">
+                                    <p:tmAbs val="0"/>
+                                  </p:iterate>
+                                  <p:childTnLst>
+                                    <p:set>
+                                      <p:cBhvr>
+                                        <p:cTn id="28" fill="hold"/>
+                                        <p:tgtEl>
+                                          <p:spTgt spid="250">
+                                            <p:txEl>
+                                              <p:pRg st="5" end="5"/>
+                                            </p:txEl>
+                                          </p:spTgt>
+                                        </p:tgtEl>
+                                        <p:attrNameLst>
+                                          <p:attrName>style.visibility</p:attrName>
+                                        </p:attrNameLst>
+                                      </p:cBhvr>
+                                      <p:to>
+                                        <p:strVal val="visible"/>
+                                      </p:to>
+                                    </p:set>
+                                  </p:childTnLst>
+                                </p:cTn>
+                              </p:par>
+                            </p:childTnLst>
+                          </p:cTn>
+                        </p:par>
+                      </p:childTnLst>
+                    </p:cTn>
+                  </p:par>
+                </p:childTnLst>
+              </p:cTn>
+              <p:prevCondLst>
+                <p:cond evt="onPrev">
+                  <p:tgtEl>
+                    <p:sldTgt/>
+                  </p:tgtEl>
+                </p:cond>
+              </p:prevCondLst>
+              <p:nextCondLst>
+                <p:cond evt="onNext">
+                  <p:tgtEl>
+                    <p:sldTgt/>
+                  </p:tgtEl>
+                </p:cond>
+              </p:nextCondLst>
+            </p:seq>
+          </p:childTnLst>
+        </p:cTn>
+      </p:par>
+    </p:tnLst>
+    <p:bldLst>
+      <p:bldP build="p" bldLvl="5" animBg="1" rev="0" advAuto="0" spid="250" grpId="1"/>
+    </p:bldLst>
+  </p:timing>
+</p:sld>
+</file>
+
+<file path=ppt/slides/slide6.xml><?xml version="1.0" encoding="utf-8"?>
+<p:sld xmlns:a="http://schemas.openxmlformats.org/drawingml/2006/main" xmlns:r="http://schemas.openxmlformats.org/officeDocument/2006/relationships" xmlns:p="http://schemas.openxmlformats.org/presentationml/2006/main" xmlns:m="http://schemas.openxmlformats.org/officeDocument/2006/math" xmlns:a14="http://schemas.microsoft.com/office/drawing/2010/main" showMasterSp="1" showMasterPhAnim="1">
+  <p:cSld>
+    <p:spTree>
+      <p:nvGrpSpPr>
+        <p:cNvPr id="1" name=""/>
+        <p:cNvGrpSpPr/>
+        <p:nvPr/>
+      </p:nvGrpSpPr>
+      <p:grpSpPr>
+        <a:xfrm>
+          <a:off x="0" y="0"/>
+          <a:ext cx="0" cy="0"/>
+          <a:chOff x="0" y="0"/>
+          <a:chExt cx="0" cy="0"/>
+        </a:xfrm>
+      </p:grpSpPr>
+      <p:grpSp>
+        <p:nvGrpSpPr>
+          <p:cNvPr id="256" name="组 47"/>
+          <p:cNvGrpSpPr/>
+          <p:nvPr/>
+        </p:nvGrpSpPr>
+        <p:grpSpPr>
+          <a:xfrm>
+            <a:off x="9703214" y="156120"/>
+            <a:ext cx="2370404" cy="899119"/>
+            <a:chOff x="0" y="0"/>
+            <a:chExt cx="2370402" cy="899117"/>
+          </a:xfrm>
+        </p:grpSpPr>
+        <p:grpSp>
+          <p:nvGrpSpPr>
+            <p:cNvPr id="254" name="组 46"/>
+            <p:cNvGrpSpPr/>
+            <p:nvPr/>
+          </p:nvGrpSpPr>
+          <p:grpSpPr>
+            <a:xfrm>
+              <a:off x="-1" y="183270"/>
+              <a:ext cx="2370404" cy="715848"/>
+              <a:chOff x="0" y="0"/>
+              <a:chExt cx="2370402" cy="715847"/>
+            </a:xfrm>
+          </p:grpSpPr>
+          <p:pic>
+            <p:nvPicPr>
+              <p:cNvPr id="252" name="图片 7" descr="图片 7"/>
+              <p:cNvPicPr>
+                <a:picLocks noChangeAspect="1"/>
+              </p:cNvPicPr>
+              <p:nvPr/>
+            </p:nvPicPr>
+            <p:blipFill>
+              <a:blip r:embed="rId2">
+                <a:extLst/>
+              </a:blip>
+              <a:stretch>
+                <a:fillRect/>
+              </a:stretch>
+            </p:blipFill>
+            <p:spPr>
+              <a:xfrm>
+                <a:off x="-1" y="-1"/>
+                <a:ext cx="674717" cy="616329"/>
+              </a:xfrm>
+              <a:prstGeom prst="rect">
+                <a:avLst/>
+              </a:prstGeom>
+              <a:ln w="12700" cap="flat">
+                <a:noFill/>
+                <a:miter lim="400000"/>
+              </a:ln>
+              <a:effectLst/>
+            </p:spPr>
+          </p:pic>
+          <p:pic>
+            <p:nvPicPr>
+              <p:cNvPr id="253" name="图片 8" descr="图片 8"/>
+              <p:cNvPicPr>
+                <a:picLocks noChangeAspect="1"/>
+              </p:cNvPicPr>
+              <p:nvPr/>
+            </p:nvPicPr>
+            <p:blipFill>
+              <a:blip r:embed="rId3">
+                <a:extLst/>
+              </a:blip>
+              <a:stretch>
+                <a:fillRect/>
+              </a:stretch>
+            </p:blipFill>
+            <p:spPr>
+              <a:xfrm>
+                <a:off x="597717" y="342649"/>
+                <a:ext cx="1772686" cy="373199"/>
+              </a:xfrm>
+              <a:prstGeom prst="rect">
+                <a:avLst/>
+              </a:prstGeom>
+              <a:ln w="12700" cap="flat">
+                <a:noFill/>
+                <a:miter lim="400000"/>
+              </a:ln>
+              <a:effectLst/>
+            </p:spPr>
+          </p:pic>
+        </p:grpSp>
+        <p:pic>
+          <p:nvPicPr>
+            <p:cNvPr id="255" name="图片 6" descr="图片 6"/>
+            <p:cNvPicPr>
+              <a:picLocks noChangeAspect="1"/>
+            </p:cNvPicPr>
+            <p:nvPr/>
+          </p:nvPicPr>
+          <p:blipFill>
+            <a:blip r:embed="rId4">
+              <a:extLst/>
+            </a:blip>
+            <a:srcRect l="30936" t="0" r="32115" b="0"/>
+            <a:stretch>
+              <a:fillRect/>
+            </a:stretch>
+          </p:blipFill>
+          <p:spPr>
+            <a:xfrm>
+              <a:off x="585920" y="-1"/>
+              <a:ext cx="1445960" cy="823892"/>
+            </a:xfrm>
+            <a:prstGeom prst="rect">
+              <a:avLst/>
+            </a:prstGeom>
+            <a:ln w="12700" cap="flat">
+              <a:noFill/>
+              <a:miter lim="400000"/>
+            </a:ln>
+            <a:effectLst/>
+          </p:spPr>
+        </p:pic>
+      </p:grpSp>
+      <p:pic>
+        <p:nvPicPr>
+          <p:cNvPr id="257" name="图片 9" descr="图片 9"/>
+          <p:cNvPicPr>
+            <a:picLocks noChangeAspect="1"/>
+          </p:cNvPicPr>
+          <p:nvPr/>
+        </p:nvPicPr>
+        <p:blipFill>
+          <a:blip r:embed="rId5">
+            <a:extLst/>
+          </a:blip>
+          <a:stretch>
+            <a:fillRect/>
+          </a:stretch>
+        </p:blipFill>
+        <p:spPr>
+          <a:xfrm>
+            <a:off x="0" y="6702641"/>
+            <a:ext cx="12192000" cy="155360"/>
+          </a:xfrm>
+          <a:prstGeom prst="rect">
+            <a:avLst/>
+          </a:prstGeom>
+          <a:ln w="12700">
+            <a:miter lim="400000"/>
+          </a:ln>
+        </p:spPr>
+      </p:pic>
+      <p:grpSp>
+        <p:nvGrpSpPr>
+          <p:cNvPr id="260" name="Group 4"/>
+          <p:cNvGrpSpPr/>
+          <p:nvPr/>
+        </p:nvGrpSpPr>
+        <p:grpSpPr>
+          <a:xfrm>
+            <a:off x="873124" y="606171"/>
+            <a:ext cx="10445751" cy="758834"/>
+            <a:chOff x="0" y="0"/>
+            <a:chExt cx="10445749" cy="758833"/>
+          </a:xfrm>
+        </p:grpSpPr>
+        <p:sp>
+          <p:nvSpPr>
+            <p:cNvPr id="258" name="TextBox 5"/>
+            <p:cNvSpPr txBox="1"/>
+            <p:nvPr/>
+          </p:nvSpPr>
+          <p:spPr>
+            <a:xfrm>
+              <a:off x="-1" y="0"/>
+              <a:ext cx="10445751" cy="699517"/>
+            </a:xfrm>
+            <a:prstGeom prst="rect">
+              <a:avLst/>
+            </a:prstGeom>
+            <a:noFill/>
+            <a:ln w="12700" cap="flat">
+              <a:noFill/>
+              <a:miter lim="400000"/>
+            </a:ln>
+            <a:effectLst/>
+            <a:extLst>
+              <a:ext uri="{C572A759-6A51-4108-AA02-DFA0A04FC94B}">
+                <ma14:wrappingTextBoxFlag xmlns:ma14="http://schemas.microsoft.com/office/mac/drawingml/2011/main" val="1"/>
+              </a:ext>
+            </a:extLst>
+          </p:spPr>
+          <p:txBody>
+            <a:bodyPr wrap="square" lIns="0" tIns="0" rIns="0" bIns="0" numCol="1" anchor="t">
+              <a:spAutoFit/>
+            </a:bodyPr>
+            <a:lstStyle>
+              <a:lvl1pPr>
+                <a:lnSpc>
+                  <a:spcPts val="5100"/>
+                </a:lnSpc>
+                <a:defRPr b="1" spc="85" sz="4200">
+                  <a:solidFill>
+                    <a:srgbClr val="364182"/>
+                  </a:solidFill>
+                  <a:latin typeface="微软雅黑"/>
+                  <a:ea typeface="微软雅黑"/>
+                  <a:cs typeface="微软雅黑"/>
+                  <a:sym typeface="微软雅黑"/>
+                </a:defRPr>
+              </a:lvl1pPr>
+            </a:lstStyle>
+            <a:p>
+              <a:pPr/>
+              <a:r>
+                <a:t>回家</a:t>
+              </a:r>
+            </a:p>
+          </p:txBody>
+        </p:sp>
+        <p:sp>
+          <p:nvSpPr>
+            <p:cNvPr id="259" name="AutoShape 7"/>
+            <p:cNvSpPr/>
+            <p:nvPr/>
+          </p:nvSpPr>
+          <p:spPr>
+            <a:xfrm>
+              <a:off x="-1" y="735877"/>
+              <a:ext cx="1209613" cy="22957"/>
+            </a:xfrm>
+            <a:prstGeom prst="rect">
+              <a:avLst/>
+            </a:prstGeom>
+            <a:solidFill>
+              <a:srgbClr val="364182"/>
+            </a:solidFill>
+            <a:ln w="12700" cap="flat">
+              <a:noFill/>
+              <a:miter lim="400000"/>
+            </a:ln>
+            <a:effectLst/>
+          </p:spPr>
+          <p:txBody>
+            <a:bodyPr wrap="square" lIns="45719" tIns="45719" rIns="45719" bIns="45719" numCol="1" anchor="t">
+              <a:noAutofit/>
+            </a:bodyPr>
+            <a:lstStyle/>
+            <a:p>
+              <a:pPr/>
+            </a:p>
+          </p:txBody>
+        </p:sp>
+      </p:grpSp>
+      <p:sp>
+        <p:nvSpPr>
+          <p:cNvPr id="261" name="文本框 15"/>
           <p:cNvSpPr txBox="1"/>
           <p:nvPr/>
         </p:nvSpPr>
@@ -5916,7 +9625,7 @@
                                       <p:cBhvr>
                                         <p:cTn id="6" fill="hold"/>
                                         <p:tgtEl>
-                                          <p:spTgt spid="195">
+                                          <p:spTgt spid="261">
                                             <p:bg/>
                                           </p:spTgt>
                                         </p:tgtEl>
@@ -5944,7 +9653,7 @@
                                       <p:cBhvr>
                                         <p:cTn id="8" fill="hold"/>
                                         <p:tgtEl>
-                                          <p:spTgt spid="195">
+                                          <p:spTgt spid="261">
                                             <p:txEl>
                                               <p:pRg st="0" end="0"/>
                                             </p:txEl>
@@ -5992,7 +9701,7 @@
                                       <p:cBhvr>
                                         <p:cTn id="12" fill="hold"/>
                                         <p:tgtEl>
-                                          <p:spTgt spid="195">
+                                          <p:spTgt spid="261">
                                             <p:txEl>
                                               <p:pRg st="1" end="1"/>
                                             </p:txEl>
@@ -6040,7 +9749,7 @@
                                       <p:cBhvr>
                                         <p:cTn id="16" fill="hold"/>
                                         <p:tgtEl>
-                                          <p:spTgt spid="195">
+                                          <p:spTgt spid="261">
                                             <p:txEl>
                                               <p:pRg st="2" end="2"/>
                                             </p:txEl>
@@ -6088,7 +9797,7 @@
                                       <p:cBhvr>
                                         <p:cTn id="20" fill="hold"/>
                                         <p:tgtEl>
-                                          <p:spTgt spid="195">
+                                          <p:spTgt spid="261">
                                             <p:txEl>
                                               <p:pRg st="3" end="3"/>
                                             </p:txEl>
@@ -6136,7 +9845,7 @@
                                       <p:cBhvr>
                                         <p:cTn id="24" fill="hold"/>
                                         <p:tgtEl>
-                                          <p:spTgt spid="195">
+                                          <p:spTgt spid="261">
                                             <p:txEl>
                                               <p:pRg st="4" end="4"/>
                                             </p:txEl>
@@ -6184,7 +9893,7 @@
                                       <p:cBhvr>
                                         <p:cTn id="28" fill="hold"/>
                                         <p:tgtEl>
-                                          <p:spTgt spid="195">
+                                          <p:spTgt spid="261">
                                             <p:txEl>
                                               <p:pRg st="5" end="5"/>
                                             </p:txEl>
@@ -6232,7 +9941,7 @@
                                       <p:cBhvr>
                                         <p:cTn id="32" fill="hold"/>
                                         <p:tgtEl>
-                                          <p:spTgt spid="195">
+                                          <p:spTgt spid="261">
                                             <p:txEl>
                                               <p:pRg st="6" end="6"/>
                                             </p:txEl>
@@ -6277,13 +9986,13 @@
       </p:par>
     </p:tnLst>
     <p:bldLst>
-      <p:bldP build="p" bldLvl="5" animBg="1" rev="0" advAuto="0" spid="195" grpId="1"/>
+      <p:bldP build="p" bldLvl="5" animBg="1" rev="0" advAuto="0" spid="261" grpId="1"/>
     </p:bldLst>
   </p:timing>
 </p:sld>
 </file>
 
-<file path=ppt/slides/slide4.xml><?xml version="1.0" encoding="utf-8"?>
+<file path=ppt/slides/slide7.xml><?xml version="1.0" encoding="utf-8"?>
 <p:sld xmlns:a="http://schemas.openxmlformats.org/drawingml/2006/main" xmlns:r="http://schemas.openxmlformats.org/officeDocument/2006/relationships" xmlns:p="http://schemas.openxmlformats.org/presentationml/2006/main" xmlns:m="http://schemas.openxmlformats.org/officeDocument/2006/math" xmlns:a14="http://schemas.microsoft.com/office/drawing/2010/main" showMasterSp="1" showMasterPhAnim="1">
   <p:cSld>
     <p:spTree>
@@ -6302,7 +10011,7 @@
       </p:grpSpPr>
       <p:grpSp>
         <p:nvGrpSpPr>
-          <p:cNvPr id="201" name="组 47"/>
+          <p:cNvPr id="267" name="组 47"/>
           <p:cNvGrpSpPr/>
           <p:nvPr/>
         </p:nvGrpSpPr>
@@ -6316,7 +10025,7 @@
         </p:grpSpPr>
         <p:grpSp>
           <p:nvGrpSpPr>
-            <p:cNvPr id="199" name="组 46"/>
+            <p:cNvPr id="265" name="组 46"/>
             <p:cNvGrpSpPr/>
             <p:nvPr/>
           </p:nvGrpSpPr>
@@ -6330,7 +10039,7 @@
           </p:grpSpPr>
           <p:pic>
             <p:nvPicPr>
-              <p:cNvPr id="197" name="图片 7" descr="图片 7"/>
+              <p:cNvPr id="263" name="图片 7" descr="图片 7"/>
               <p:cNvPicPr>
                 <a:picLocks noChangeAspect="1"/>
               </p:cNvPicPr>
@@ -6361,7 +10070,7 @@
           </p:pic>
           <p:pic>
             <p:nvPicPr>
-              <p:cNvPr id="198" name="图片 8" descr="图片 8"/>
+              <p:cNvPr id="264" name="图片 8" descr="图片 8"/>
               <p:cNvPicPr>
                 <a:picLocks noChangeAspect="1"/>
               </p:cNvPicPr>
@@ -6393,7 +10102,7 @@
         </p:grpSp>
         <p:pic>
           <p:nvPicPr>
-            <p:cNvPr id="200" name="图片 6" descr="图片 6"/>
+            <p:cNvPr id="266" name="图片 6" descr="图片 6"/>
             <p:cNvPicPr>
               <a:picLocks noChangeAspect="1"/>
             </p:cNvPicPr>
@@ -6426,7 +10135,7 @@
       </p:grpSp>
       <p:pic>
         <p:nvPicPr>
-          <p:cNvPr id="202" name="图片 9" descr="图片 9"/>
+          <p:cNvPr id="268" name="图片 9" descr="图片 9"/>
           <p:cNvPicPr>
             <a:picLocks noChangeAspect="1"/>
           </p:cNvPicPr>
@@ -6455,7 +10164,7 @@
       </p:pic>
       <p:grpSp>
         <p:nvGrpSpPr>
-          <p:cNvPr id="205" name="Group 4"/>
+          <p:cNvPr id="271" name="Group 4"/>
           <p:cNvGrpSpPr/>
           <p:nvPr/>
         </p:nvGrpSpPr>
@@ -6469,7 +10178,7 @@
         </p:grpSpPr>
         <p:sp>
           <p:nvSpPr>
-            <p:cNvPr id="203" name="TextBox 5"/>
+            <p:cNvPr id="269" name="TextBox 5"/>
             <p:cNvSpPr txBox="1"/>
             <p:nvPr/>
           </p:nvSpPr>
@@ -6523,7 +10232,7 @@
         </p:sp>
         <p:sp>
           <p:nvSpPr>
-            <p:cNvPr id="204" name="AutoShape 7"/>
+            <p:cNvPr id="270" name="AutoShape 7"/>
             <p:cNvSpPr/>
             <p:nvPr/>
           </p:nvSpPr>
@@ -6557,7 +10266,7 @@
       </p:grpSp>
       <p:sp>
         <p:nvSpPr>
-          <p:cNvPr id="206" name="文本框 15"/>
+          <p:cNvPr id="272" name="文本框 15"/>
           <p:cNvSpPr txBox="1"/>
           <p:nvPr/>
         </p:nvSpPr>
@@ -6748,7 +10457,7 @@
                                       <p:cBhvr>
                                         <p:cTn id="6" fill="hold"/>
                                         <p:tgtEl>
-                                          <p:spTgt spid="206">
+                                          <p:spTgt spid="272">
                                             <p:bg/>
                                           </p:spTgt>
                                         </p:tgtEl>
@@ -6776,7 +10485,7 @@
                                       <p:cBhvr>
                                         <p:cTn id="8" fill="hold"/>
                                         <p:tgtEl>
-                                          <p:spTgt spid="206">
+                                          <p:spTgt spid="272">
                                             <p:txEl>
                                               <p:pRg st="0" end="0"/>
                                             </p:txEl>
@@ -6824,7 +10533,7 @@
                                       <p:cBhvr>
                                         <p:cTn id="12" fill="hold"/>
                                         <p:tgtEl>
-                                          <p:spTgt spid="206">
+                                          <p:spTgt spid="272">
                                             <p:txEl>
                                               <p:pRg st="1" end="1"/>
                                             </p:txEl>
@@ -6872,7 +10581,7 @@
                                       <p:cBhvr>
                                         <p:cTn id="16" fill="hold"/>
                                         <p:tgtEl>
-                                          <p:spTgt spid="206">
+                                          <p:spTgt spid="272">
                                             <p:txEl>
                                               <p:pRg st="2" end="2"/>
                                             </p:txEl>
@@ -6920,7 +10629,7 @@
                                       <p:cBhvr>
                                         <p:cTn id="20" fill="hold"/>
                                         <p:tgtEl>
-                                          <p:spTgt spid="206">
+                                          <p:spTgt spid="272">
                                             <p:txEl>
                                               <p:pRg st="3" end="3"/>
                                             </p:txEl>
@@ -6968,7 +10677,7 @@
                                       <p:cBhvr>
                                         <p:cTn id="24" fill="hold"/>
                                         <p:tgtEl>
-                                          <p:spTgt spid="206">
+                                          <p:spTgt spid="272">
                                             <p:txEl>
                                               <p:pRg st="4" end="4"/>
                                             </p:txEl>
@@ -7016,7 +10725,7 @@
                                       <p:cBhvr>
                                         <p:cTn id="28" fill="hold"/>
                                         <p:tgtEl>
-                                          <p:spTgt spid="206">
+                                          <p:spTgt spid="272">
                                             <p:txEl>
                                               <p:pRg st="5" end="5"/>
                                             </p:txEl>
@@ -7064,7 +10773,7 @@
                                       <p:cBhvr>
                                         <p:cTn id="32" fill="hold"/>
                                         <p:tgtEl>
-                                          <p:spTgt spid="206">
+                                          <p:spTgt spid="272">
                                             <p:txEl>
                                               <p:pRg st="6" end="6"/>
                                             </p:txEl>
@@ -7112,7 +10821,7 @@
                                       <p:cBhvr>
                                         <p:cTn id="36" fill="hold"/>
                                         <p:tgtEl>
-                                          <p:spTgt spid="206">
+                                          <p:spTgt spid="272">
                                             <p:txEl>
                                               <p:pRg st="7" end="7"/>
                                             </p:txEl>
@@ -7157,13 +10866,13 @@
       </p:par>
     </p:tnLst>
     <p:bldLst>
-      <p:bldP build="p" bldLvl="5" animBg="1" rev="0" advAuto="0" spid="206" grpId="1"/>
+      <p:bldP build="p" bldLvl="5" animBg="1" rev="0" advAuto="0" spid="272" grpId="1"/>
     </p:bldLst>
   </p:timing>
 </p:sld>
 </file>
 
-<file path=ppt/slides/slide5.xml><?xml version="1.0" encoding="utf-8"?>
+<file path=ppt/slides/slide8.xml><?xml version="1.0" encoding="utf-8"?>
 <p:sld xmlns:a="http://schemas.openxmlformats.org/drawingml/2006/main" xmlns:r="http://schemas.openxmlformats.org/officeDocument/2006/relationships" xmlns:p="http://schemas.openxmlformats.org/presentationml/2006/main" xmlns:m="http://schemas.openxmlformats.org/officeDocument/2006/math" xmlns:a14="http://schemas.microsoft.com/office/drawing/2010/main" showMasterSp="1" showMasterPhAnim="1">
   <p:cSld>
     <p:spTree>
@@ -7180,9 +10889,38 @@
           <a:chExt cx="0" cy="0"/>
         </a:xfrm>
       </p:grpSpPr>
+      <p:pic>
+        <p:nvPicPr>
+          <p:cNvPr id="274" name="code1.png" descr="code1.png"/>
+          <p:cNvPicPr>
+            <a:picLocks noChangeAspect="1"/>
+          </p:cNvPicPr>
+          <p:nvPr/>
+        </p:nvPicPr>
+        <p:blipFill>
+          <a:blip r:embed="rId2">
+            <a:extLst/>
+          </a:blip>
+          <a:stretch>
+            <a:fillRect/>
+          </a:stretch>
+        </p:blipFill>
+        <p:spPr>
+          <a:xfrm>
+            <a:off x="3000090" y="-896791"/>
+            <a:ext cx="6191820" cy="8651582"/>
+          </a:xfrm>
+          <a:prstGeom prst="rect">
+            <a:avLst/>
+          </a:prstGeom>
+          <a:ln w="12700">
+            <a:miter lim="400000"/>
+          </a:ln>
+        </p:spPr>
+      </p:pic>
       <p:grpSp>
         <p:nvGrpSpPr>
-          <p:cNvPr id="212" name="组 47"/>
+          <p:cNvPr id="279" name="组 47"/>
           <p:cNvGrpSpPr/>
           <p:nvPr/>
         </p:nvGrpSpPr>
@@ -7196,7 +10934,7 @@
         </p:grpSpPr>
         <p:grpSp>
           <p:nvGrpSpPr>
-            <p:cNvPr id="210" name="组 46"/>
+            <p:cNvPr id="277" name="组 46"/>
             <p:cNvGrpSpPr/>
             <p:nvPr/>
           </p:nvGrpSpPr>
@@ -7210,14 +10948,14 @@
           </p:grpSpPr>
           <p:pic>
             <p:nvPicPr>
-              <p:cNvPr id="208" name="图片 7" descr="图片 7"/>
+              <p:cNvPr id="275" name="图片 7" descr="图片 7"/>
               <p:cNvPicPr>
                 <a:picLocks noChangeAspect="1"/>
               </p:cNvPicPr>
               <p:nvPr/>
             </p:nvPicPr>
             <p:blipFill>
-              <a:blip r:embed="rId2">
+              <a:blip r:embed="rId3">
                 <a:extLst/>
               </a:blip>
               <a:stretch>
@@ -7241,14 +10979,14 @@
           </p:pic>
           <p:pic>
             <p:nvPicPr>
-              <p:cNvPr id="209" name="图片 8" descr="图片 8"/>
+              <p:cNvPr id="276" name="图片 8" descr="图片 8"/>
               <p:cNvPicPr>
                 <a:picLocks noChangeAspect="1"/>
               </p:cNvPicPr>
               <p:nvPr/>
             </p:nvPicPr>
             <p:blipFill>
-              <a:blip r:embed="rId3">
+              <a:blip r:embed="rId4">
                 <a:extLst/>
               </a:blip>
               <a:stretch>
@@ -7273,14 +11011,14 @@
         </p:grpSp>
         <p:pic>
           <p:nvPicPr>
-            <p:cNvPr id="211" name="图片 6" descr="图片 6"/>
+            <p:cNvPr id="278" name="图片 6" descr="图片 6"/>
             <p:cNvPicPr>
               <a:picLocks noChangeAspect="1"/>
             </p:cNvPicPr>
             <p:nvPr/>
           </p:nvPicPr>
           <p:blipFill>
-            <a:blip r:embed="rId4">
+            <a:blip r:embed="rId5">
               <a:extLst/>
             </a:blip>
             <a:srcRect l="30936" t="0" r="32115" b="0"/>
@@ -7306,14 +11044,14 @@
       </p:grpSp>
       <p:pic>
         <p:nvPicPr>
-          <p:cNvPr id="213" name="图片 9" descr="图片 9"/>
+          <p:cNvPr id="280" name="图片 9" descr="图片 9"/>
           <p:cNvPicPr>
             <a:picLocks noChangeAspect="1"/>
           </p:cNvPicPr>
           <p:nvPr/>
         </p:nvPicPr>
         <p:blipFill>
-          <a:blip r:embed="rId5">
+          <a:blip r:embed="rId6">
             <a:extLst/>
           </a:blip>
           <a:stretch>
@@ -7333,16 +11071,118 @@
           </a:ln>
         </p:spPr>
       </p:pic>
+      <p:grpSp>
+        <p:nvGrpSpPr>
+          <p:cNvPr id="283" name="Group 4"/>
+          <p:cNvGrpSpPr/>
+          <p:nvPr/>
+        </p:nvGrpSpPr>
+        <p:grpSpPr>
+          <a:xfrm>
+            <a:off x="873124" y="606171"/>
+            <a:ext cx="10445751" cy="758834"/>
+            <a:chOff x="0" y="0"/>
+            <a:chExt cx="10445749" cy="758833"/>
+          </a:xfrm>
+        </p:grpSpPr>
+        <p:sp>
+          <p:nvSpPr>
+            <p:cNvPr id="281" name="TextBox 5"/>
+            <p:cNvSpPr txBox="1"/>
+            <p:nvPr/>
+          </p:nvSpPr>
+          <p:spPr>
+            <a:xfrm>
+              <a:off x="-1" y="0"/>
+              <a:ext cx="10445751" cy="699517"/>
+            </a:xfrm>
+            <a:prstGeom prst="rect">
+              <a:avLst/>
+            </a:prstGeom>
+            <a:noFill/>
+            <a:ln w="12700" cap="flat">
+              <a:noFill/>
+              <a:miter lim="400000"/>
+            </a:ln>
+            <a:effectLst/>
+            <a:extLst>
+              <a:ext uri="{C572A759-6A51-4108-AA02-DFA0A04FC94B}">
+                <ma14:wrappingTextBoxFlag xmlns:ma14="http://schemas.microsoft.com/office/mac/drawingml/2011/main" val="1"/>
+              </a:ext>
+            </a:extLst>
+          </p:spPr>
+          <p:txBody>
+            <a:bodyPr wrap="square" lIns="0" tIns="0" rIns="0" bIns="0" numCol="1" anchor="t">
+              <a:spAutoFit/>
+            </a:bodyPr>
+            <a:lstStyle>
+              <a:lvl1pPr>
+                <a:lnSpc>
+                  <a:spcPts val="5100"/>
+                </a:lnSpc>
+                <a:defRPr b="1" spc="85" sz="4200">
+                  <a:solidFill>
+                    <a:srgbClr val="364182"/>
+                  </a:solidFill>
+                  <a:latin typeface="微软雅黑"/>
+                  <a:ea typeface="微软雅黑"/>
+                  <a:cs typeface="微软雅黑"/>
+                  <a:sym typeface="微软雅黑"/>
+                </a:defRPr>
+              </a:lvl1pPr>
+            </a:lstStyle>
+            <a:p>
+              <a:pPr/>
+              <a:r>
+                <a:t>回家</a:t>
+              </a:r>
+            </a:p>
+          </p:txBody>
+        </p:sp>
+        <p:sp>
+          <p:nvSpPr>
+            <p:cNvPr id="282" name="AutoShape 7"/>
+            <p:cNvSpPr/>
+            <p:nvPr/>
+          </p:nvSpPr>
+          <p:spPr>
+            <a:xfrm>
+              <a:off x="-1" y="735877"/>
+              <a:ext cx="1209613" cy="22957"/>
+            </a:xfrm>
+            <a:prstGeom prst="rect">
+              <a:avLst/>
+            </a:prstGeom>
+            <a:solidFill>
+              <a:srgbClr val="364182"/>
+            </a:solidFill>
+            <a:ln w="12700" cap="flat">
+              <a:noFill/>
+              <a:miter lim="400000"/>
+            </a:ln>
+            <a:effectLst/>
+          </p:spPr>
+          <p:txBody>
+            <a:bodyPr wrap="square" lIns="45719" tIns="45719" rIns="45719" bIns="45719" numCol="1" anchor="t">
+              <a:noAutofit/>
+            </a:bodyPr>
+            <a:lstStyle/>
+            <a:p>
+              <a:pPr/>
+            </a:p>
+          </p:txBody>
+        </p:sp>
+      </p:grpSp>
       <p:sp>
         <p:nvSpPr>
-          <p:cNvPr id="214" name="文本框 6"/>
+          <p:cNvPr id="284" name="文本框 15"/>
           <p:cNvSpPr txBox="1"/>
           <p:nvPr/>
         </p:nvSpPr>
         <p:spPr>
           <a:xfrm>
-            <a:off x="4366086" y="2850530"/>
-            <a:ext cx="3861436" cy="878841"/>
+            <a:off x="918844" y="1571370"/>
+            <a:ext cx="10354310" cy="561341"/>
           </a:xfrm>
           <a:prstGeom prst="rect">
             <a:avLst/>
@@ -7362,9 +11202,12 @@
           </a:bodyPr>
           <a:lstStyle>
             <a:lvl1pPr>
-              <a:defRPr b="1" sz="4400">
+              <a:spcBef>
+                <a:spcPts val="400"/>
+              </a:spcBef>
+              <a:defRPr b="1" spc="85" sz="2600">
                 <a:solidFill>
-                  <a:srgbClr val="464646"/>
+                  <a:srgbClr val="364182"/>
                 </a:solidFill>
                 <a:latin typeface="微软雅黑"/>
                 <a:ea typeface="微软雅黑"/>
@@ -7376,21 +11219,331 @@
           <a:p>
             <a:pPr/>
             <a:r>
-              <a:t>感谢各位聆听</a:t>
+              <a:t>代码实现</a:t>
             </a:r>
           </a:p>
         </p:txBody>
       </p:sp>
+    </p:spTree>
+  </p:cSld>
+  <p:clrMapOvr>
+    <a:masterClrMapping/>
+  </p:clrMapOvr>
+  <p:transition xmlns:p14="http://schemas.microsoft.com/office/powerpoint/2010/main" spd="med" advClick="1"/>
+</p:sld>
+</file>
+
+<file path=ppt/slides/slide9.xml><?xml version="1.0" encoding="utf-8"?>
+<p:sld xmlns:a="http://schemas.openxmlformats.org/drawingml/2006/main" xmlns:r="http://schemas.openxmlformats.org/officeDocument/2006/relationships" xmlns:p="http://schemas.openxmlformats.org/presentationml/2006/main" xmlns:m="http://schemas.openxmlformats.org/officeDocument/2006/math" xmlns:a14="http://schemas.microsoft.com/office/drawing/2010/main" showMasterSp="1" showMasterPhAnim="1">
+  <p:cSld>
+    <p:spTree>
+      <p:nvGrpSpPr>
+        <p:cNvPr id="1" name=""/>
+        <p:cNvGrpSpPr/>
+        <p:nvPr/>
+      </p:nvGrpSpPr>
+      <p:grpSpPr>
+        <a:xfrm>
+          <a:off x="0" y="0"/>
+          <a:ext cx="0" cy="0"/>
+          <a:chOff x="0" y="0"/>
+          <a:chExt cx="0" cy="0"/>
+        </a:xfrm>
+      </p:grpSpPr>
+      <p:pic>
+        <p:nvPicPr>
+          <p:cNvPr id="286" name="code2.png" descr="code2.png"/>
+          <p:cNvPicPr>
+            <a:picLocks noChangeAspect="1"/>
+          </p:cNvPicPr>
+          <p:nvPr/>
+        </p:nvPicPr>
+        <p:blipFill>
+          <a:blip r:embed="rId2">
+            <a:extLst/>
+          </a:blip>
+          <a:stretch>
+            <a:fillRect/>
+          </a:stretch>
+        </p:blipFill>
+        <p:spPr>
+          <a:xfrm>
+            <a:off x="1446472" y="-400023"/>
+            <a:ext cx="9833037" cy="8097794"/>
+          </a:xfrm>
+          <a:prstGeom prst="rect">
+            <a:avLst/>
+          </a:prstGeom>
+          <a:ln w="12700">
+            <a:miter lim="400000"/>
+          </a:ln>
+        </p:spPr>
+      </p:pic>
+      <p:grpSp>
+        <p:nvGrpSpPr>
+          <p:cNvPr id="291" name="组 47"/>
+          <p:cNvGrpSpPr/>
+          <p:nvPr/>
+        </p:nvGrpSpPr>
+        <p:grpSpPr>
+          <a:xfrm>
+            <a:off x="9703214" y="156120"/>
+            <a:ext cx="2370404" cy="899119"/>
+            <a:chOff x="0" y="0"/>
+            <a:chExt cx="2370402" cy="899117"/>
+          </a:xfrm>
+        </p:grpSpPr>
+        <p:grpSp>
+          <p:nvGrpSpPr>
+            <p:cNvPr id="289" name="组 46"/>
+            <p:cNvGrpSpPr/>
+            <p:nvPr/>
+          </p:nvGrpSpPr>
+          <p:grpSpPr>
+            <a:xfrm>
+              <a:off x="-1" y="183270"/>
+              <a:ext cx="2370404" cy="715848"/>
+              <a:chOff x="0" y="0"/>
+              <a:chExt cx="2370402" cy="715847"/>
+            </a:xfrm>
+          </p:grpSpPr>
+          <p:pic>
+            <p:nvPicPr>
+              <p:cNvPr id="287" name="图片 7" descr="图片 7"/>
+              <p:cNvPicPr>
+                <a:picLocks noChangeAspect="1"/>
+              </p:cNvPicPr>
+              <p:nvPr/>
+            </p:nvPicPr>
+            <p:blipFill>
+              <a:blip r:embed="rId3">
+                <a:extLst/>
+              </a:blip>
+              <a:stretch>
+                <a:fillRect/>
+              </a:stretch>
+            </p:blipFill>
+            <p:spPr>
+              <a:xfrm>
+                <a:off x="-1" y="-1"/>
+                <a:ext cx="674717" cy="616329"/>
+              </a:xfrm>
+              <a:prstGeom prst="rect">
+                <a:avLst/>
+              </a:prstGeom>
+              <a:ln w="12700" cap="flat">
+                <a:noFill/>
+                <a:miter lim="400000"/>
+              </a:ln>
+              <a:effectLst/>
+            </p:spPr>
+          </p:pic>
+          <p:pic>
+            <p:nvPicPr>
+              <p:cNvPr id="288" name="图片 8" descr="图片 8"/>
+              <p:cNvPicPr>
+                <a:picLocks noChangeAspect="1"/>
+              </p:cNvPicPr>
+              <p:nvPr/>
+            </p:nvPicPr>
+            <p:blipFill>
+              <a:blip r:embed="rId4">
+                <a:extLst/>
+              </a:blip>
+              <a:stretch>
+                <a:fillRect/>
+              </a:stretch>
+            </p:blipFill>
+            <p:spPr>
+              <a:xfrm>
+                <a:off x="597717" y="342649"/>
+                <a:ext cx="1772686" cy="373199"/>
+              </a:xfrm>
+              <a:prstGeom prst="rect">
+                <a:avLst/>
+              </a:prstGeom>
+              <a:ln w="12700" cap="flat">
+                <a:noFill/>
+                <a:miter lim="400000"/>
+              </a:ln>
+              <a:effectLst/>
+            </p:spPr>
+          </p:pic>
+        </p:grpSp>
+        <p:pic>
+          <p:nvPicPr>
+            <p:cNvPr id="290" name="图片 6" descr="图片 6"/>
+            <p:cNvPicPr>
+              <a:picLocks noChangeAspect="1"/>
+            </p:cNvPicPr>
+            <p:nvPr/>
+          </p:nvPicPr>
+          <p:blipFill>
+            <a:blip r:embed="rId5">
+              <a:extLst/>
+            </a:blip>
+            <a:srcRect l="30936" t="0" r="32115" b="0"/>
+            <a:stretch>
+              <a:fillRect/>
+            </a:stretch>
+          </p:blipFill>
+          <p:spPr>
+            <a:xfrm>
+              <a:off x="585920" y="-1"/>
+              <a:ext cx="1445960" cy="823892"/>
+            </a:xfrm>
+            <a:prstGeom prst="rect">
+              <a:avLst/>
+            </a:prstGeom>
+            <a:ln w="12700" cap="flat">
+              <a:noFill/>
+              <a:miter lim="400000"/>
+            </a:ln>
+            <a:effectLst/>
+          </p:spPr>
+        </p:pic>
+      </p:grpSp>
+      <p:pic>
+        <p:nvPicPr>
+          <p:cNvPr id="292" name="图片 9" descr="图片 9"/>
+          <p:cNvPicPr>
+            <a:picLocks noChangeAspect="1"/>
+          </p:cNvPicPr>
+          <p:nvPr/>
+        </p:nvPicPr>
+        <p:blipFill>
+          <a:blip r:embed="rId6">
+            <a:extLst/>
+          </a:blip>
+          <a:stretch>
+            <a:fillRect/>
+          </a:stretch>
+        </p:blipFill>
+        <p:spPr>
+          <a:xfrm>
+            <a:off x="0" y="6702641"/>
+            <a:ext cx="12192000" cy="155360"/>
+          </a:xfrm>
+          <a:prstGeom prst="rect">
+            <a:avLst/>
+          </a:prstGeom>
+          <a:ln w="12700">
+            <a:miter lim="400000"/>
+          </a:ln>
+        </p:spPr>
+      </p:pic>
+      <p:grpSp>
+        <p:nvGrpSpPr>
+          <p:cNvPr id="295" name="Group 4"/>
+          <p:cNvGrpSpPr/>
+          <p:nvPr/>
+        </p:nvGrpSpPr>
+        <p:grpSpPr>
+          <a:xfrm>
+            <a:off x="873124" y="606171"/>
+            <a:ext cx="10445751" cy="758834"/>
+            <a:chOff x="0" y="0"/>
+            <a:chExt cx="10445749" cy="758833"/>
+          </a:xfrm>
+        </p:grpSpPr>
+        <p:sp>
+          <p:nvSpPr>
+            <p:cNvPr id="293" name="TextBox 5"/>
+            <p:cNvSpPr txBox="1"/>
+            <p:nvPr/>
+          </p:nvSpPr>
+          <p:spPr>
+            <a:xfrm>
+              <a:off x="-1" y="0"/>
+              <a:ext cx="10445751" cy="699517"/>
+            </a:xfrm>
+            <a:prstGeom prst="rect">
+              <a:avLst/>
+            </a:prstGeom>
+            <a:noFill/>
+            <a:ln w="12700" cap="flat">
+              <a:noFill/>
+              <a:miter lim="400000"/>
+            </a:ln>
+            <a:effectLst/>
+            <a:extLst>
+              <a:ext uri="{C572A759-6A51-4108-AA02-DFA0A04FC94B}">
+                <ma14:wrappingTextBoxFlag xmlns:ma14="http://schemas.microsoft.com/office/mac/drawingml/2011/main" val="1"/>
+              </a:ext>
+            </a:extLst>
+          </p:spPr>
+          <p:txBody>
+            <a:bodyPr wrap="square" lIns="0" tIns="0" rIns="0" bIns="0" numCol="1" anchor="t">
+              <a:spAutoFit/>
+            </a:bodyPr>
+            <a:lstStyle>
+              <a:lvl1pPr>
+                <a:lnSpc>
+                  <a:spcPts val="5100"/>
+                </a:lnSpc>
+                <a:defRPr b="1" spc="85" sz="4200">
+                  <a:solidFill>
+                    <a:srgbClr val="364182"/>
+                  </a:solidFill>
+                  <a:latin typeface="微软雅黑"/>
+                  <a:ea typeface="微软雅黑"/>
+                  <a:cs typeface="微软雅黑"/>
+                  <a:sym typeface="微软雅黑"/>
+                </a:defRPr>
+              </a:lvl1pPr>
+            </a:lstStyle>
+            <a:p>
+              <a:pPr/>
+              <a:r>
+                <a:t>回家</a:t>
+              </a:r>
+            </a:p>
+          </p:txBody>
+        </p:sp>
+        <p:sp>
+          <p:nvSpPr>
+            <p:cNvPr id="294" name="AutoShape 7"/>
+            <p:cNvSpPr/>
+            <p:nvPr/>
+          </p:nvSpPr>
+          <p:spPr>
+            <a:xfrm>
+              <a:off x="-1" y="735877"/>
+              <a:ext cx="1209613" cy="22957"/>
+            </a:xfrm>
+            <a:prstGeom prst="rect">
+              <a:avLst/>
+            </a:prstGeom>
+            <a:solidFill>
+              <a:srgbClr val="364182"/>
+            </a:solidFill>
+            <a:ln w="12700" cap="flat">
+              <a:noFill/>
+              <a:miter lim="400000"/>
+            </a:ln>
+            <a:effectLst/>
+          </p:spPr>
+          <p:txBody>
+            <a:bodyPr wrap="square" lIns="45719" tIns="45719" rIns="45719" bIns="45719" numCol="1" anchor="t">
+              <a:noAutofit/>
+            </a:bodyPr>
+            <a:lstStyle/>
+            <a:p>
+              <a:pPr/>
+            </a:p>
+          </p:txBody>
+        </p:sp>
+      </p:grpSp>
       <p:sp>
         <p:nvSpPr>
-          <p:cNvPr id="215" name="文本框 7"/>
+          <p:cNvPr id="296" name="文本框 15"/>
           <p:cNvSpPr txBox="1"/>
           <p:nvPr/>
         </p:nvSpPr>
         <p:spPr>
           <a:xfrm>
-            <a:off x="4452447" y="3599865"/>
-            <a:ext cx="3359786" cy="437069"/>
+            <a:off x="918844" y="1571370"/>
+            <a:ext cx="10354310" cy="561341"/>
           </a:xfrm>
           <a:prstGeom prst="rect">
             <a:avLst/>
@@ -7410,57 +11563,12 @@
           </a:bodyPr>
           <a:lstStyle>
             <a:lvl1pPr>
-              <a:defRPr b="1" sz="2400">
+              <a:spcBef>
+                <a:spcPts val="400"/>
+              </a:spcBef>
+              <a:defRPr b="1" spc="85" sz="2600">
                 <a:solidFill>
-                  <a:srgbClr val="464646"/>
-                </a:solidFill>
-                <a:latin typeface="Arial"/>
-                <a:ea typeface="Arial"/>
-                <a:cs typeface="Arial"/>
-                <a:sym typeface="Arial"/>
-              </a:defRPr>
-            </a:lvl1pPr>
-          </a:lstStyle>
-          <a:p>
-            <a:pPr/>
-            <a:r>
-              <a:t>Thanks for Listening</a:t>
-            </a:r>
-          </a:p>
-        </p:txBody>
-      </p:sp>
-      <p:sp>
-        <p:nvSpPr>
-          <p:cNvPr id="216" name="文本框 9"/>
-          <p:cNvSpPr txBox="1"/>
-          <p:nvPr/>
-        </p:nvSpPr>
-        <p:spPr>
-          <a:xfrm rot="840000">
-            <a:off x="7663163" y="2811524"/>
-            <a:ext cx="1804036" cy="1805941"/>
-          </a:xfrm>
-          <a:prstGeom prst="rect">
-            <a:avLst/>
-          </a:prstGeom>
-          <a:ln w="12700">
-            <a:miter lim="400000"/>
-          </a:ln>
-          <a:extLst>
-            <a:ext uri="{C572A759-6A51-4108-AA02-DFA0A04FC94B}">
-              <ma14:wrappingTextBoxFlag xmlns:ma14="http://schemas.microsoft.com/office/mac/drawingml/2011/main" val="1"/>
-            </a:ext>
-          </a:extLst>
-        </p:spPr>
-        <p:txBody>
-          <a:bodyPr lIns="45719" rIns="45719">
-            <a:spAutoFit/>
-          </a:bodyPr>
-          <a:lstStyle>
-            <a:lvl1pPr>
-              <a:defRPr b="1" sz="9600">
-                <a:solidFill>
-                  <a:srgbClr val="4786FA"/>
+                  <a:srgbClr val="364182"/>
                 </a:solidFill>
                 <a:latin typeface="微软雅黑"/>
                 <a:ea typeface="微软雅黑"/>
@@ -7472,7 +11580,7 @@
           <a:p>
             <a:pPr/>
             <a:r>
-              <a:t>！</a:t>
+              <a:t>代码实现</a:t>
             </a:r>
           </a:p>
         </p:txBody>
